--- a/slide/ppt/Mapping-Solutions.pptx
+++ b/slide/ppt/Mapping-Solutions.pptx
@@ -4,29 +4,28 @@
   <p:sldMasterIdLst>
     <p:sldMasterId id="2147483648" r:id="rId1"/>
   </p:sldMasterIdLst>
+  <p:notesMasterIdLst>
+    <p:notesMasterId r:id="rId5"/>
+  </p:notesMasterIdLst>
   <p:sldIdLst>
     <p:sldId id="256" r:id="rId2"/>
-    <p:sldId id="263" r:id="rId3"/>
-    <p:sldId id="264" r:id="rId4"/>
-    <p:sldId id="265" r:id="rId5"/>
-    <p:sldId id="266" r:id="rId6"/>
-    <p:sldId id="267" r:id="rId7"/>
-    <p:sldId id="268" r:id="rId8"/>
+    <p:sldId id="257" r:id="rId3"/>
+    <p:sldId id="279" r:id="rId4"/>
   </p:sldIdLst>
   <p:sldSz cx="9144000" cy="6858000" type="screen4x3"/>
   <p:notesSz cx="6858000" cy="9144000"/>
   <p:defaultTextStyle>
     <a:defPPr>
-      <a:defRPr lang="es-ES"/>
+      <a:defRPr lang="en-US"/>
     </a:defPPr>
-    <a:lvl1pPr algn="l" rtl="0" fontAlgn="base">
+    <a:lvl1pPr algn="ctr" rtl="0" fontAlgn="base">
       <a:spcBef>
         <a:spcPct val="0"/>
       </a:spcBef>
       <a:spcAft>
         <a:spcPct val="0"/>
       </a:spcAft>
-      <a:defRPr kern="1200">
+      <a:defRPr sz="2400" kern="1200" baseline="-25000">
         <a:solidFill>
           <a:schemeClr val="tx1"/>
         </a:solidFill>
@@ -35,14 +34,14 @@
         <a:cs typeface="+mn-cs"/>
       </a:defRPr>
     </a:lvl1pPr>
-    <a:lvl2pPr marL="457200" algn="l" rtl="0" fontAlgn="base">
+    <a:lvl2pPr marL="457200" algn="ctr" rtl="0" fontAlgn="base">
       <a:spcBef>
         <a:spcPct val="0"/>
       </a:spcBef>
       <a:spcAft>
         <a:spcPct val="0"/>
       </a:spcAft>
-      <a:defRPr kern="1200">
+      <a:defRPr sz="2400" kern="1200" baseline="-25000">
         <a:solidFill>
           <a:schemeClr val="tx1"/>
         </a:solidFill>
@@ -51,14 +50,14 @@
         <a:cs typeface="+mn-cs"/>
       </a:defRPr>
     </a:lvl2pPr>
-    <a:lvl3pPr marL="914400" algn="l" rtl="0" fontAlgn="base">
+    <a:lvl3pPr marL="914400" algn="ctr" rtl="0" fontAlgn="base">
       <a:spcBef>
         <a:spcPct val="0"/>
       </a:spcBef>
       <a:spcAft>
         <a:spcPct val="0"/>
       </a:spcAft>
-      <a:defRPr kern="1200">
+      <a:defRPr sz="2400" kern="1200" baseline="-25000">
         <a:solidFill>
           <a:schemeClr val="tx1"/>
         </a:solidFill>
@@ -67,14 +66,14 @@
         <a:cs typeface="+mn-cs"/>
       </a:defRPr>
     </a:lvl3pPr>
-    <a:lvl4pPr marL="1371600" algn="l" rtl="0" fontAlgn="base">
+    <a:lvl4pPr marL="1371600" algn="ctr" rtl="0" fontAlgn="base">
       <a:spcBef>
         <a:spcPct val="0"/>
       </a:spcBef>
       <a:spcAft>
         <a:spcPct val="0"/>
       </a:spcAft>
-      <a:defRPr kern="1200">
+      <a:defRPr sz="2400" kern="1200" baseline="-25000">
         <a:solidFill>
           <a:schemeClr val="tx1"/>
         </a:solidFill>
@@ -83,14 +82,14 @@
         <a:cs typeface="+mn-cs"/>
       </a:defRPr>
     </a:lvl4pPr>
-    <a:lvl5pPr marL="1828800" algn="l" rtl="0" fontAlgn="base">
+    <a:lvl5pPr marL="1828800" algn="ctr" rtl="0" fontAlgn="base">
       <a:spcBef>
         <a:spcPct val="0"/>
       </a:spcBef>
       <a:spcAft>
         <a:spcPct val="0"/>
       </a:spcAft>
-      <a:defRPr kern="1200">
+      <a:defRPr sz="2400" kern="1200" baseline="-25000">
         <a:solidFill>
           <a:schemeClr val="tx1"/>
         </a:solidFill>
@@ -100,7 +99,7 @@
       </a:defRPr>
     </a:lvl5pPr>
     <a:lvl6pPr marL="2286000" algn="l" defTabSz="914400" rtl="0" eaLnBrk="1" latinLnBrk="0" hangingPunct="1">
-      <a:defRPr kern="1200">
+      <a:defRPr sz="2400" kern="1200" baseline="-25000">
         <a:solidFill>
           <a:schemeClr val="tx1"/>
         </a:solidFill>
@@ -110,7 +109,7 @@
       </a:defRPr>
     </a:lvl6pPr>
     <a:lvl7pPr marL="2743200" algn="l" defTabSz="914400" rtl="0" eaLnBrk="1" latinLnBrk="0" hangingPunct="1">
-      <a:defRPr kern="1200">
+      <a:defRPr sz="2400" kern="1200" baseline="-25000">
         <a:solidFill>
           <a:schemeClr val="tx1"/>
         </a:solidFill>
@@ -120,7 +119,7 @@
       </a:defRPr>
     </a:lvl7pPr>
     <a:lvl8pPr marL="3200400" algn="l" defTabSz="914400" rtl="0" eaLnBrk="1" latinLnBrk="0" hangingPunct="1">
-      <a:defRPr kern="1200">
+      <a:defRPr sz="2400" kern="1200" baseline="-25000">
         <a:solidFill>
           <a:schemeClr val="tx1"/>
         </a:solidFill>
@@ -130,7 +129,7 @@
       </a:defRPr>
     </a:lvl8pPr>
     <a:lvl9pPr marL="3657600" algn="l" defTabSz="914400" rtl="0" eaLnBrk="1" latinLnBrk="0" hangingPunct="1">
-      <a:defRPr kern="1200">
+      <a:defRPr sz="2400" kern="1200" baseline="-25000">
         <a:solidFill>
           <a:schemeClr val="tx1"/>
         </a:solidFill>
@@ -143,9 +142,17 @@
 </p:presentation>
 </file>
 
-<file path=ppt/slideLayouts/slideLayout1.xml><?xml version="1.0" encoding="utf-8"?>
-<p:sldLayout xmlns:a="http://schemas.openxmlformats.org/drawingml/2006/main" xmlns:r="http://schemas.openxmlformats.org/officeDocument/2006/relationships" xmlns:p="http://schemas.openxmlformats.org/presentationml/2006/main" type="title" preserve="1">
-  <p:cSld name="Title Slide">
+<file path=ppt/notesMasters/notesMaster1.xml><?xml version="1.0" encoding="utf-8"?>
+<p:notesMaster xmlns:a="http://schemas.openxmlformats.org/drawingml/2006/main" xmlns:r="http://schemas.openxmlformats.org/officeDocument/2006/relationships" xmlns:p="http://schemas.openxmlformats.org/presentationml/2006/main">
+  <p:cSld>
+    <p:bg>
+      <p:bgPr>
+        <a:solidFill>
+          <a:schemeClr val="bg1"/>
+        </a:solidFill>
+        <a:effectLst/>
+      </p:bgPr>
+    </p:bg>
     <p:spTree>
       <p:nvGrpSpPr>
         <p:cNvPr id="1" name=""/>
@@ -162,92 +169,723 @@
       </p:grpSpPr>
       <p:sp>
         <p:nvSpPr>
-          <p:cNvPr id="2" name="Title 1"/>
-          <p:cNvSpPr>
-            <a:spLocks noGrp="1"/>
-          </p:cNvSpPr>
-          <p:nvPr>
-            <p:ph type="ctrTitle"/>
+          <p:cNvPr id="81922" name="Rectangle 2"/>
+          <p:cNvSpPr>
+            <a:spLocks noGrp="1" noChangeArrowheads="1"/>
+          </p:cNvSpPr>
+          <p:nvPr>
+            <p:ph type="hdr" sz="quarter"/>
+          </p:nvPr>
+        </p:nvSpPr>
+        <p:spPr bwMode="auto">
+          <a:xfrm>
+            <a:off x="0" y="0"/>
+            <a:ext cx="2971800" cy="457200"/>
+          </a:xfrm>
+          <a:prstGeom prst="rect">
+            <a:avLst/>
+          </a:prstGeom>
+          <a:noFill/>
+          <a:ln w="9525">
+            <a:noFill/>
+            <a:miter lim="800000"/>
+            <a:headEnd/>
+            <a:tailEnd/>
+          </a:ln>
+          <a:effectLst/>
+        </p:spPr>
+        <p:txBody>
+          <a:bodyPr vert="horz" wrap="square" lIns="91440" tIns="45720" rIns="91440" bIns="45720" numCol="1" anchor="t" anchorCtr="0" compatLnSpc="1">
+            <a:prstTxWarp prst="textNoShape">
+              <a:avLst/>
+            </a:prstTxWarp>
+          </a:bodyPr>
+          <a:lstStyle>
+            <a:lvl1pPr algn="l">
+              <a:defRPr sz="1200" baseline="0"/>
+            </a:lvl1pPr>
+          </a:lstStyle>
+          <a:p>
+            <a:endParaRPr lang="en-US"/>
+          </a:p>
+        </p:txBody>
+      </p:sp>
+      <p:sp>
+        <p:nvSpPr>
+          <p:cNvPr id="81923" name="Rectangle 3"/>
+          <p:cNvSpPr>
+            <a:spLocks noGrp="1" noChangeArrowheads="1"/>
+          </p:cNvSpPr>
+          <p:nvPr>
+            <p:ph type="dt" idx="1"/>
+          </p:nvPr>
+        </p:nvSpPr>
+        <p:spPr bwMode="auto">
+          <a:xfrm>
+            <a:off x="3884613" y="0"/>
+            <a:ext cx="2971800" cy="457200"/>
+          </a:xfrm>
+          <a:prstGeom prst="rect">
+            <a:avLst/>
+          </a:prstGeom>
+          <a:noFill/>
+          <a:ln w="9525">
+            <a:noFill/>
+            <a:miter lim="800000"/>
+            <a:headEnd/>
+            <a:tailEnd/>
+          </a:ln>
+          <a:effectLst/>
+        </p:spPr>
+        <p:txBody>
+          <a:bodyPr vert="horz" wrap="square" lIns="91440" tIns="45720" rIns="91440" bIns="45720" numCol="1" anchor="t" anchorCtr="0" compatLnSpc="1">
+            <a:prstTxWarp prst="textNoShape">
+              <a:avLst/>
+            </a:prstTxWarp>
+          </a:bodyPr>
+          <a:lstStyle>
+            <a:lvl1pPr algn="r">
+              <a:defRPr sz="1200" baseline="0"/>
+            </a:lvl1pPr>
+          </a:lstStyle>
+          <a:p>
+            <a:endParaRPr lang="en-US"/>
+          </a:p>
+        </p:txBody>
+      </p:sp>
+      <p:sp>
+        <p:nvSpPr>
+          <p:cNvPr id="81924" name="Rectangle 4"/>
+          <p:cNvSpPr>
+            <a:spLocks noRot="1" noChangeArrowheads="1" noTextEdit="1"/>
+          </p:cNvSpPr>
+          <p:nvPr>
+            <p:ph type="sldImg" idx="2"/>
+          </p:nvPr>
+        </p:nvSpPr>
+        <p:spPr bwMode="auto">
+          <a:xfrm>
+            <a:off x="1143000" y="685800"/>
+            <a:ext cx="4572000" cy="3429000"/>
+          </a:xfrm>
+          <a:prstGeom prst="rect">
+            <a:avLst/>
+          </a:prstGeom>
+          <a:noFill/>
+          <a:ln w="9525">
+            <a:solidFill>
+              <a:srgbClr val="000000"/>
+            </a:solidFill>
+            <a:miter lim="800000"/>
+            <a:headEnd/>
+            <a:tailEnd/>
+          </a:ln>
+          <a:effectLst/>
+        </p:spPr>
+      </p:sp>
+      <p:sp>
+        <p:nvSpPr>
+          <p:cNvPr id="81925" name="Rectangle 5"/>
+          <p:cNvSpPr>
+            <a:spLocks noGrp="1" noChangeArrowheads="1"/>
+          </p:cNvSpPr>
+          <p:nvPr>
+            <p:ph type="body" sz="quarter" idx="3"/>
+          </p:nvPr>
+        </p:nvSpPr>
+        <p:spPr bwMode="auto">
+          <a:xfrm>
+            <a:off x="685800" y="4343400"/>
+            <a:ext cx="5486400" cy="4114800"/>
+          </a:xfrm>
+          <a:prstGeom prst="rect">
+            <a:avLst/>
+          </a:prstGeom>
+          <a:noFill/>
+          <a:ln w="9525">
+            <a:noFill/>
+            <a:miter lim="800000"/>
+            <a:headEnd/>
+            <a:tailEnd/>
+          </a:ln>
+          <a:effectLst/>
+        </p:spPr>
+        <p:txBody>
+          <a:bodyPr vert="horz" wrap="square" lIns="91440" tIns="45720" rIns="91440" bIns="45720" numCol="1" anchor="t" anchorCtr="0" compatLnSpc="1">
+            <a:prstTxWarp prst="textNoShape">
+              <a:avLst/>
+            </a:prstTxWarp>
+          </a:bodyPr>
+          <a:lstStyle/>
+          <a:p>
+            <a:pPr lvl="0"/>
+            <a:r>
+              <a:rPr lang="en-US" smtClean="0"/>
+              <a:t>Click to edit Master text styles</a:t>
+            </a:r>
+          </a:p>
+          <a:p>
+            <a:pPr lvl="1"/>
+            <a:r>
+              <a:rPr lang="en-US" smtClean="0"/>
+              <a:t>Second level</a:t>
+            </a:r>
+          </a:p>
+          <a:p>
+            <a:pPr lvl="2"/>
+            <a:r>
+              <a:rPr lang="en-US" smtClean="0"/>
+              <a:t>Third level</a:t>
+            </a:r>
+          </a:p>
+          <a:p>
+            <a:pPr lvl="3"/>
+            <a:r>
+              <a:rPr lang="en-US" smtClean="0"/>
+              <a:t>Fourth level</a:t>
+            </a:r>
+          </a:p>
+          <a:p>
+            <a:pPr lvl="4"/>
+            <a:r>
+              <a:rPr lang="en-US" smtClean="0"/>
+              <a:t>Fifth level</a:t>
+            </a:r>
+          </a:p>
+        </p:txBody>
+      </p:sp>
+      <p:sp>
+        <p:nvSpPr>
+          <p:cNvPr id="81926" name="Rectangle 6"/>
+          <p:cNvSpPr>
+            <a:spLocks noGrp="1" noChangeArrowheads="1"/>
+          </p:cNvSpPr>
+          <p:nvPr>
+            <p:ph type="ftr" sz="quarter" idx="4"/>
+          </p:nvPr>
+        </p:nvSpPr>
+        <p:spPr bwMode="auto">
+          <a:xfrm>
+            <a:off x="0" y="8685213"/>
+            <a:ext cx="2971800" cy="457200"/>
+          </a:xfrm>
+          <a:prstGeom prst="rect">
+            <a:avLst/>
+          </a:prstGeom>
+          <a:noFill/>
+          <a:ln w="9525">
+            <a:noFill/>
+            <a:miter lim="800000"/>
+            <a:headEnd/>
+            <a:tailEnd/>
+          </a:ln>
+          <a:effectLst/>
+        </p:spPr>
+        <p:txBody>
+          <a:bodyPr vert="horz" wrap="square" lIns="91440" tIns="45720" rIns="91440" bIns="45720" numCol="1" anchor="b" anchorCtr="0" compatLnSpc="1">
+            <a:prstTxWarp prst="textNoShape">
+              <a:avLst/>
+            </a:prstTxWarp>
+          </a:bodyPr>
+          <a:lstStyle>
+            <a:lvl1pPr algn="l">
+              <a:defRPr sz="1200" baseline="0"/>
+            </a:lvl1pPr>
+          </a:lstStyle>
+          <a:p>
+            <a:endParaRPr lang="en-US"/>
+          </a:p>
+        </p:txBody>
+      </p:sp>
+      <p:sp>
+        <p:nvSpPr>
+          <p:cNvPr id="81927" name="Rectangle 7"/>
+          <p:cNvSpPr>
+            <a:spLocks noGrp="1" noChangeArrowheads="1"/>
+          </p:cNvSpPr>
+          <p:nvPr>
+            <p:ph type="sldNum" sz="quarter" idx="5"/>
+          </p:nvPr>
+        </p:nvSpPr>
+        <p:spPr bwMode="auto">
+          <a:xfrm>
+            <a:off x="3884613" y="8685213"/>
+            <a:ext cx="2971800" cy="457200"/>
+          </a:xfrm>
+          <a:prstGeom prst="rect">
+            <a:avLst/>
+          </a:prstGeom>
+          <a:noFill/>
+          <a:ln w="9525">
+            <a:noFill/>
+            <a:miter lim="800000"/>
+            <a:headEnd/>
+            <a:tailEnd/>
+          </a:ln>
+          <a:effectLst/>
+        </p:spPr>
+        <p:txBody>
+          <a:bodyPr vert="horz" wrap="square" lIns="91440" tIns="45720" rIns="91440" bIns="45720" numCol="1" anchor="b" anchorCtr="0" compatLnSpc="1">
+            <a:prstTxWarp prst="textNoShape">
+              <a:avLst/>
+            </a:prstTxWarp>
+          </a:bodyPr>
+          <a:lstStyle>
+            <a:lvl1pPr algn="r">
+              <a:defRPr sz="1200" baseline="0"/>
+            </a:lvl1pPr>
+          </a:lstStyle>
+          <a:p>
+            <a:fld id="{FBE73656-10C2-423E-ACD2-BB36AB1AF272}" type="slidenum">
+              <a:rPr lang="en-US"/>
+              <a:pPr/>
+              <a:t>‹#›</a:t>
+            </a:fld>
+            <a:endParaRPr lang="en-US"/>
+          </a:p>
+        </p:txBody>
+      </p:sp>
+    </p:spTree>
+  </p:cSld>
+  <p:clrMap bg1="lt1" tx1="dk1" bg2="lt2" tx2="dk2" accent1="accent1" accent2="accent2" accent3="accent3" accent4="accent4" accent5="accent5" accent6="accent6" hlink="hlink" folHlink="folHlink"/>
+  <p:notesStyle>
+    <a:lvl1pPr algn="l" rtl="0" fontAlgn="base">
+      <a:spcBef>
+        <a:spcPct val="30000"/>
+      </a:spcBef>
+      <a:spcAft>
+        <a:spcPct val="0"/>
+      </a:spcAft>
+      <a:defRPr sz="1200" kern="1200">
+        <a:solidFill>
+          <a:schemeClr val="tx1"/>
+        </a:solidFill>
+        <a:latin typeface="Arial" charset="0"/>
+        <a:ea typeface="+mn-ea"/>
+        <a:cs typeface="+mn-cs"/>
+      </a:defRPr>
+    </a:lvl1pPr>
+    <a:lvl2pPr marL="457200" algn="l" rtl="0" fontAlgn="base">
+      <a:spcBef>
+        <a:spcPct val="30000"/>
+      </a:spcBef>
+      <a:spcAft>
+        <a:spcPct val="0"/>
+      </a:spcAft>
+      <a:defRPr sz="1200" kern="1200">
+        <a:solidFill>
+          <a:schemeClr val="tx1"/>
+        </a:solidFill>
+        <a:latin typeface="Arial" charset="0"/>
+        <a:ea typeface="+mn-ea"/>
+        <a:cs typeface="+mn-cs"/>
+      </a:defRPr>
+    </a:lvl2pPr>
+    <a:lvl3pPr marL="914400" algn="l" rtl="0" fontAlgn="base">
+      <a:spcBef>
+        <a:spcPct val="30000"/>
+      </a:spcBef>
+      <a:spcAft>
+        <a:spcPct val="0"/>
+      </a:spcAft>
+      <a:defRPr sz="1200" kern="1200">
+        <a:solidFill>
+          <a:schemeClr val="tx1"/>
+        </a:solidFill>
+        <a:latin typeface="Arial" charset="0"/>
+        <a:ea typeface="+mn-ea"/>
+        <a:cs typeface="+mn-cs"/>
+      </a:defRPr>
+    </a:lvl3pPr>
+    <a:lvl4pPr marL="1371600" algn="l" rtl="0" fontAlgn="base">
+      <a:spcBef>
+        <a:spcPct val="30000"/>
+      </a:spcBef>
+      <a:spcAft>
+        <a:spcPct val="0"/>
+      </a:spcAft>
+      <a:defRPr sz="1200" kern="1200">
+        <a:solidFill>
+          <a:schemeClr val="tx1"/>
+        </a:solidFill>
+        <a:latin typeface="Arial" charset="0"/>
+        <a:ea typeface="+mn-ea"/>
+        <a:cs typeface="+mn-cs"/>
+      </a:defRPr>
+    </a:lvl4pPr>
+    <a:lvl5pPr marL="1828800" algn="l" rtl="0" fontAlgn="base">
+      <a:spcBef>
+        <a:spcPct val="30000"/>
+      </a:spcBef>
+      <a:spcAft>
+        <a:spcPct val="0"/>
+      </a:spcAft>
+      <a:defRPr sz="1200" kern="1200">
+        <a:solidFill>
+          <a:schemeClr val="tx1"/>
+        </a:solidFill>
+        <a:latin typeface="Arial" charset="0"/>
+        <a:ea typeface="+mn-ea"/>
+        <a:cs typeface="+mn-cs"/>
+      </a:defRPr>
+    </a:lvl5pPr>
+    <a:lvl6pPr marL="2286000" algn="l" defTabSz="914400" rtl="0" eaLnBrk="1" latinLnBrk="0" hangingPunct="1">
+      <a:defRPr sz="1200" kern="1200">
+        <a:solidFill>
+          <a:schemeClr val="tx1"/>
+        </a:solidFill>
+        <a:latin typeface="+mn-lt"/>
+        <a:ea typeface="+mn-ea"/>
+        <a:cs typeface="+mn-cs"/>
+      </a:defRPr>
+    </a:lvl6pPr>
+    <a:lvl7pPr marL="2743200" algn="l" defTabSz="914400" rtl="0" eaLnBrk="1" latinLnBrk="0" hangingPunct="1">
+      <a:defRPr sz="1200" kern="1200">
+        <a:solidFill>
+          <a:schemeClr val="tx1"/>
+        </a:solidFill>
+        <a:latin typeface="+mn-lt"/>
+        <a:ea typeface="+mn-ea"/>
+        <a:cs typeface="+mn-cs"/>
+      </a:defRPr>
+    </a:lvl7pPr>
+    <a:lvl8pPr marL="3200400" algn="l" defTabSz="914400" rtl="0" eaLnBrk="1" latinLnBrk="0" hangingPunct="1">
+      <a:defRPr sz="1200" kern="1200">
+        <a:solidFill>
+          <a:schemeClr val="tx1"/>
+        </a:solidFill>
+        <a:latin typeface="+mn-lt"/>
+        <a:ea typeface="+mn-ea"/>
+        <a:cs typeface="+mn-cs"/>
+      </a:defRPr>
+    </a:lvl8pPr>
+    <a:lvl9pPr marL="3657600" algn="l" defTabSz="914400" rtl="0" eaLnBrk="1" latinLnBrk="0" hangingPunct="1">
+      <a:defRPr sz="1200" kern="1200">
+        <a:solidFill>
+          <a:schemeClr val="tx1"/>
+        </a:solidFill>
+        <a:latin typeface="+mn-lt"/>
+        <a:ea typeface="+mn-ea"/>
+        <a:cs typeface="+mn-cs"/>
+      </a:defRPr>
+    </a:lvl9pPr>
+  </p:notesStyle>
+</p:notesMaster>
+</file>
+
+<file path=ppt/notesSlides/notesSlide1.xml><?xml version="1.0" encoding="utf-8"?>
+<p:notes xmlns:a="http://schemas.openxmlformats.org/drawingml/2006/main" xmlns:r="http://schemas.openxmlformats.org/officeDocument/2006/relationships" xmlns:p="http://schemas.openxmlformats.org/presentationml/2006/main">
+  <p:cSld>
+    <p:spTree>
+      <p:nvGrpSpPr>
+        <p:cNvPr id="1" name=""/>
+        <p:cNvGrpSpPr/>
+        <p:nvPr/>
+      </p:nvGrpSpPr>
+      <p:grpSpPr>
+        <a:xfrm>
+          <a:off x="0" y="0"/>
+          <a:ext cx="0" cy="0"/>
+          <a:chOff x="0" y="0"/>
+          <a:chExt cx="0" cy="0"/>
+        </a:xfrm>
+      </p:grpSpPr>
+      <p:sp>
+        <p:nvSpPr>
+          <p:cNvPr id="7" name="Rectangle 7"/>
+          <p:cNvSpPr>
+            <a:spLocks noGrp="1" noChangeArrowheads="1"/>
+          </p:cNvSpPr>
+          <p:nvPr>
+            <p:ph type="sldNum" sz="quarter" idx="5"/>
           </p:nvPr>
         </p:nvSpPr>
         <p:spPr>
-          <a:xfrm>
-            <a:off x="685800" y="2130425"/>
-            <a:ext cx="7772400" cy="1470025"/>
-          </a:xfrm>
+          <a:ln/>
         </p:spPr>
         <p:txBody>
           <a:bodyPr/>
           <a:lstStyle/>
           <a:p>
-            <a:r>
-              <a:rPr lang="en-US" smtClean="0"/>
-              <a:t>Click to edit Master title style</a:t>
-            </a:r>
+            <a:fld id="{992EF793-9A96-4DE9-BDA8-6B938C2336B2}" type="slidenum">
+              <a:rPr lang="en-US"/>
+              <a:pPr/>
+              <a:t>1</a:t>
+            </a:fld>
             <a:endParaRPr lang="en-US"/>
           </a:p>
         </p:txBody>
       </p:sp>
       <p:sp>
         <p:nvSpPr>
-          <p:cNvPr id="3" name="Subtitle 2"/>
-          <p:cNvSpPr>
-            <a:spLocks noGrp="1"/>
-          </p:cNvSpPr>
-          <p:nvPr>
-            <p:ph type="subTitle" idx="1"/>
+          <p:cNvPr id="107522" name="Rectangle 2"/>
+          <p:cNvSpPr>
+            <a:spLocks noRot="1" noChangeArrowheads="1" noTextEdit="1"/>
+          </p:cNvSpPr>
+          <p:nvPr>
+            <p:ph type="sldImg"/>
+          </p:nvPr>
+        </p:nvSpPr>
+        <p:spPr>
+          <a:ln/>
+        </p:spPr>
+      </p:sp>
+      <p:sp>
+        <p:nvSpPr>
+          <p:cNvPr id="107523" name="Rectangle 3"/>
+          <p:cNvSpPr>
+            <a:spLocks noGrp="1" noChangeArrowheads="1"/>
+          </p:cNvSpPr>
+          <p:nvPr>
+            <p:ph type="body" idx="1"/>
+          </p:nvPr>
+        </p:nvSpPr>
+        <p:spPr/>
+        <p:txBody>
+          <a:bodyPr/>
+          <a:lstStyle/>
+          <a:p>
+            <a:endParaRPr lang="ru-RU"/>
+          </a:p>
+        </p:txBody>
+      </p:sp>
+    </p:spTree>
+  </p:cSld>
+  <p:clrMapOvr>
+    <a:masterClrMapping/>
+  </p:clrMapOvr>
+</p:notes>
+</file>
+
+<file path=ppt/notesSlides/notesSlide2.xml><?xml version="1.0" encoding="utf-8"?>
+<p:notes xmlns:a="http://schemas.openxmlformats.org/drawingml/2006/main" xmlns:r="http://schemas.openxmlformats.org/officeDocument/2006/relationships" xmlns:p="http://schemas.openxmlformats.org/presentationml/2006/main">
+  <p:cSld>
+    <p:spTree>
+      <p:nvGrpSpPr>
+        <p:cNvPr id="1" name=""/>
+        <p:cNvGrpSpPr/>
+        <p:nvPr/>
+      </p:nvGrpSpPr>
+      <p:grpSpPr>
+        <a:xfrm>
+          <a:off x="0" y="0"/>
+          <a:ext cx="0" cy="0"/>
+          <a:chOff x="0" y="0"/>
+          <a:chExt cx="0" cy="0"/>
+        </a:xfrm>
+      </p:grpSpPr>
+      <p:sp>
+        <p:nvSpPr>
+          <p:cNvPr id="7" name="Rectangle 7"/>
+          <p:cNvSpPr>
+            <a:spLocks noGrp="1" noChangeArrowheads="1"/>
+          </p:cNvSpPr>
+          <p:nvPr>
+            <p:ph type="sldNum" sz="quarter" idx="5"/>
+          </p:nvPr>
+        </p:nvSpPr>
+        <p:spPr>
+          <a:ln/>
+        </p:spPr>
+        <p:txBody>
+          <a:bodyPr/>
+          <a:lstStyle/>
+          <a:p>
+            <a:fld id="{7D3C8C14-7DA4-457F-B758-D887B8B3E239}" type="slidenum">
+              <a:rPr lang="en-US"/>
+              <a:pPr/>
+              <a:t>2</a:t>
+            </a:fld>
+            <a:endParaRPr lang="en-US"/>
+          </a:p>
+        </p:txBody>
+      </p:sp>
+      <p:sp>
+        <p:nvSpPr>
+          <p:cNvPr id="112642" name="Rectangle 2"/>
+          <p:cNvSpPr>
+            <a:spLocks noRot="1" noChangeArrowheads="1" noTextEdit="1"/>
+          </p:cNvSpPr>
+          <p:nvPr>
+            <p:ph type="sldImg"/>
+          </p:nvPr>
+        </p:nvSpPr>
+        <p:spPr>
+          <a:ln/>
+        </p:spPr>
+      </p:sp>
+      <p:sp>
+        <p:nvSpPr>
+          <p:cNvPr id="112643" name="Rectangle 3"/>
+          <p:cNvSpPr>
+            <a:spLocks noGrp="1" noChangeArrowheads="1"/>
+          </p:cNvSpPr>
+          <p:nvPr>
+            <p:ph type="body" idx="1"/>
+          </p:nvPr>
+        </p:nvSpPr>
+        <p:spPr/>
+        <p:txBody>
+          <a:bodyPr/>
+          <a:lstStyle/>
+          <a:p>
+            <a:endParaRPr lang="ru-RU"/>
+          </a:p>
+        </p:txBody>
+      </p:sp>
+    </p:spTree>
+  </p:cSld>
+  <p:clrMapOvr>
+    <a:masterClrMapping/>
+  </p:clrMapOvr>
+</p:notes>
+</file>
+
+<file path=ppt/notesSlides/notesSlide3.xml><?xml version="1.0" encoding="utf-8"?>
+<p:notes xmlns:a="http://schemas.openxmlformats.org/drawingml/2006/main" xmlns:r="http://schemas.openxmlformats.org/officeDocument/2006/relationships" xmlns:p="http://schemas.openxmlformats.org/presentationml/2006/main">
+  <p:cSld>
+    <p:spTree>
+      <p:nvGrpSpPr>
+        <p:cNvPr id="1" name=""/>
+        <p:cNvGrpSpPr/>
+        <p:nvPr/>
+      </p:nvGrpSpPr>
+      <p:grpSpPr>
+        <a:xfrm>
+          <a:off x="0" y="0"/>
+          <a:ext cx="0" cy="0"/>
+          <a:chOff x="0" y="0"/>
+          <a:chExt cx="0" cy="0"/>
+        </a:xfrm>
+      </p:grpSpPr>
+      <p:sp>
+        <p:nvSpPr>
+          <p:cNvPr id="7" name="Rectangle 7"/>
+          <p:cNvSpPr>
+            <a:spLocks noGrp="1" noChangeArrowheads="1"/>
+          </p:cNvSpPr>
+          <p:nvPr>
+            <p:ph type="sldNum" sz="quarter" idx="5"/>
+          </p:nvPr>
+        </p:nvSpPr>
+        <p:spPr>
+          <a:ln/>
+        </p:spPr>
+        <p:txBody>
+          <a:bodyPr/>
+          <a:lstStyle/>
+          <a:p>
+            <a:fld id="{AEA191CB-B995-465C-BF89-ECA474F6DA01}" type="slidenum">
+              <a:rPr lang="en-US"/>
+              <a:pPr/>
+              <a:t>3</a:t>
+            </a:fld>
+            <a:endParaRPr lang="en-US"/>
+          </a:p>
+        </p:txBody>
+      </p:sp>
+      <p:sp>
+        <p:nvSpPr>
+          <p:cNvPr id="110594" name="Rectangle 2"/>
+          <p:cNvSpPr>
+            <a:spLocks noRot="1" noChangeArrowheads="1" noTextEdit="1"/>
+          </p:cNvSpPr>
+          <p:nvPr>
+            <p:ph type="sldImg"/>
+          </p:nvPr>
+        </p:nvSpPr>
+        <p:spPr>
+          <a:ln/>
+        </p:spPr>
+      </p:sp>
+      <p:sp>
+        <p:nvSpPr>
+          <p:cNvPr id="110595" name="Rectangle 3"/>
+          <p:cNvSpPr>
+            <a:spLocks noGrp="1" noChangeArrowheads="1"/>
+          </p:cNvSpPr>
+          <p:nvPr>
+            <p:ph type="body" idx="1"/>
+          </p:nvPr>
+        </p:nvSpPr>
+        <p:spPr/>
+        <p:txBody>
+          <a:bodyPr/>
+          <a:lstStyle/>
+          <a:p>
+            <a:endParaRPr lang="ru-RU"/>
+          </a:p>
+        </p:txBody>
+      </p:sp>
+    </p:spTree>
+  </p:cSld>
+  <p:clrMapOvr>
+    <a:masterClrMapping/>
+  </p:clrMapOvr>
+</p:notes>
+</file>
+
+<file path=ppt/slideLayouts/slideLayout1.xml><?xml version="1.0" encoding="utf-8"?>
+<p:sldLayout xmlns:a="http://schemas.openxmlformats.org/drawingml/2006/main" xmlns:r="http://schemas.openxmlformats.org/officeDocument/2006/relationships" xmlns:p="http://schemas.openxmlformats.org/presentationml/2006/main" type="title" preserve="1">
+  <p:cSld name="Title Slide">
+    <p:bg>
+      <p:bgPr>
+        <a:blipFill dpi="0" rotWithShape="0">
+          <a:blip r:embed="rId2"/>
+          <a:srcRect/>
+          <a:stretch>
+            <a:fillRect/>
+          </a:stretch>
+        </a:blipFill>
+        <a:effectLst/>
+      </p:bgPr>
+    </p:bg>
+    <p:spTree>
+      <p:nvGrpSpPr>
+        <p:cNvPr id="1" name=""/>
+        <p:cNvGrpSpPr/>
+        <p:nvPr/>
+      </p:nvGrpSpPr>
+      <p:grpSpPr>
+        <a:xfrm>
+          <a:off x="0" y="0"/>
+          <a:ext cx="0" cy="0"/>
+          <a:chOff x="0" y="0"/>
+          <a:chExt cx="0" cy="0"/>
+        </a:xfrm>
+      </p:grpSpPr>
+      <p:sp>
+        <p:nvSpPr>
+          <p:cNvPr id="3074" name="Rectangle 2"/>
+          <p:cNvSpPr>
+            <a:spLocks noGrp="1" noChangeArrowheads="1"/>
+          </p:cNvSpPr>
+          <p:nvPr>
+            <p:ph type="ctrTitle"/>
           </p:nvPr>
         </p:nvSpPr>
         <p:spPr>
           <a:xfrm>
-            <a:off x="1371600" y="3886200"/>
-            <a:ext cx="6400800" cy="1752600"/>
+            <a:off x="533400" y="609600"/>
+            <a:ext cx="7772400" cy="704850"/>
           </a:xfrm>
+          <a:effectLst>
+            <a:outerShdw dist="12700" algn="ctr" rotWithShape="0">
+              <a:schemeClr val="bg1"/>
+            </a:outerShdw>
+          </a:effectLst>
         </p:spPr>
         <p:txBody>
           <a:bodyPr/>
           <a:lstStyle>
-            <a:lvl1pPr marL="0" indent="0" algn="ctr">
-              <a:buNone/>
-              <a:defRPr/>
+            <a:lvl1pPr>
+              <a:defRPr sz="3600"/>
             </a:lvl1pPr>
-            <a:lvl2pPr marL="457200" indent="0" algn="ctr">
-              <a:buNone/>
-              <a:defRPr/>
-            </a:lvl2pPr>
-            <a:lvl3pPr marL="914400" indent="0" algn="ctr">
-              <a:buNone/>
-              <a:defRPr/>
-            </a:lvl3pPr>
-            <a:lvl4pPr marL="1371600" indent="0" algn="ctr">
-              <a:buNone/>
-              <a:defRPr/>
-            </a:lvl4pPr>
-            <a:lvl5pPr marL="1828800" indent="0" algn="ctr">
-              <a:buNone/>
-              <a:defRPr/>
-            </a:lvl5pPr>
-            <a:lvl6pPr marL="2286000" indent="0" algn="ctr">
-              <a:buNone/>
-              <a:defRPr/>
-            </a:lvl6pPr>
-            <a:lvl7pPr marL="2743200" indent="0" algn="ctr">
-              <a:buNone/>
-              <a:defRPr/>
-            </a:lvl7pPr>
-            <a:lvl8pPr marL="3200400" indent="0" algn="ctr">
-              <a:buNone/>
-              <a:defRPr/>
-            </a:lvl8pPr>
-            <a:lvl9pPr marL="3657600" indent="0" algn="ctr">
-              <a:buNone/>
-              <a:defRPr/>
-            </a:lvl9pPr>
           </a:lstStyle>
           <a:p>
             <a:r>
               <a:rPr lang="en-US" smtClean="0"/>
-              <a:t>Click to edit Master subtitle style</a:t>
+              <a:t>Click to edit Master title style</a:t>
             </a:r>
             <a:endParaRPr lang="en-US"/>
           </a:p>
@@ -255,75 +893,44 @@
       </p:sp>
       <p:sp>
         <p:nvSpPr>
-          <p:cNvPr id="4" name="Date Placeholder 3"/>
-          <p:cNvSpPr>
-            <a:spLocks noGrp="1"/>
-          </p:cNvSpPr>
-          <p:nvPr>
-            <p:ph type="dt" sz="half" idx="10"/>
-          </p:nvPr>
-        </p:nvSpPr>
-        <p:spPr/>
+          <p:cNvPr id="3075" name="Rectangle 3"/>
+          <p:cNvSpPr>
+            <a:spLocks noGrp="1" noChangeArrowheads="1"/>
+          </p:cNvSpPr>
+          <p:nvPr>
+            <p:ph type="subTitle" idx="1"/>
+          </p:nvPr>
+        </p:nvSpPr>
+        <p:spPr>
+          <a:xfrm>
+            <a:off x="533400" y="1295400"/>
+            <a:ext cx="7772400" cy="685800"/>
+          </a:xfrm>
+          <a:effectLst>
+            <a:outerShdw dist="12700" algn="ctr" rotWithShape="0">
+              <a:schemeClr val="bg1"/>
+            </a:outerShdw>
+          </a:effectLst>
+        </p:spPr>
         <p:txBody>
           <a:bodyPr/>
           <a:lstStyle>
-            <a:lvl1pPr>
-              <a:defRPr/>
+            <a:lvl1pPr marL="0" indent="0">
+              <a:buFontTx/>
+              <a:buNone/>
+              <a:defRPr sz="2400">
+                <a:solidFill>
+                  <a:schemeClr val="hlink"/>
+                </a:solidFill>
+              </a:defRPr>
             </a:lvl1pPr>
           </a:lstStyle>
           <a:p>
-            <a:endParaRPr lang="es-ES"/>
-          </a:p>
-        </p:txBody>
-      </p:sp>
-      <p:sp>
-        <p:nvSpPr>
-          <p:cNvPr id="5" name="Footer Placeholder 4"/>
-          <p:cNvSpPr>
-            <a:spLocks noGrp="1"/>
-          </p:cNvSpPr>
-          <p:nvPr>
-            <p:ph type="ftr" sz="quarter" idx="11"/>
-          </p:nvPr>
-        </p:nvSpPr>
-        <p:spPr/>
-        <p:txBody>
-          <a:bodyPr/>
-          <a:lstStyle>
-            <a:lvl1pPr>
-              <a:defRPr/>
-            </a:lvl1pPr>
-          </a:lstStyle>
-          <a:p>
-            <a:endParaRPr lang="es-ES"/>
-          </a:p>
-        </p:txBody>
-      </p:sp>
-      <p:sp>
-        <p:nvSpPr>
-          <p:cNvPr id="6" name="Slide Number Placeholder 5"/>
-          <p:cNvSpPr>
-            <a:spLocks noGrp="1"/>
-          </p:cNvSpPr>
-          <p:nvPr>
-            <p:ph type="sldNum" sz="quarter" idx="12"/>
-          </p:nvPr>
-        </p:nvSpPr>
-        <p:spPr/>
-        <p:txBody>
-          <a:bodyPr/>
-          <a:lstStyle>
-            <a:lvl1pPr>
-              <a:defRPr/>
-            </a:lvl1pPr>
-          </a:lstStyle>
-          <a:p>
-            <a:fld id="{D6917B4A-E6DC-4B78-B580-56C33EEC8786}" type="slidenum">
-              <a:rPr lang="es-ES"/>
-              <a:pPr/>
-              <a:t>‹#›</a:t>
-            </a:fld>
-            <a:endParaRPr lang="es-ES"/>
+            <a:r>
+              <a:rPr lang="en-US" smtClean="0"/>
+              <a:t>Click to edit Master subtitle style</a:t>
+            </a:r>
+            <a:endParaRPr lang="en-US"/>
           </a:p>
         </p:txBody>
       </p:sp>
@@ -427,80 +1034,6 @@
           </a:p>
         </p:txBody>
       </p:sp>
-      <p:sp>
-        <p:nvSpPr>
-          <p:cNvPr id="4" name="Date Placeholder 3"/>
-          <p:cNvSpPr>
-            <a:spLocks noGrp="1"/>
-          </p:cNvSpPr>
-          <p:nvPr>
-            <p:ph type="dt" sz="half" idx="10"/>
-          </p:nvPr>
-        </p:nvSpPr>
-        <p:spPr/>
-        <p:txBody>
-          <a:bodyPr/>
-          <a:lstStyle>
-            <a:lvl1pPr>
-              <a:defRPr/>
-            </a:lvl1pPr>
-          </a:lstStyle>
-          <a:p>
-            <a:endParaRPr lang="es-ES"/>
-          </a:p>
-        </p:txBody>
-      </p:sp>
-      <p:sp>
-        <p:nvSpPr>
-          <p:cNvPr id="5" name="Footer Placeholder 4"/>
-          <p:cNvSpPr>
-            <a:spLocks noGrp="1"/>
-          </p:cNvSpPr>
-          <p:nvPr>
-            <p:ph type="ftr" sz="quarter" idx="11"/>
-          </p:nvPr>
-        </p:nvSpPr>
-        <p:spPr/>
-        <p:txBody>
-          <a:bodyPr/>
-          <a:lstStyle>
-            <a:lvl1pPr>
-              <a:defRPr/>
-            </a:lvl1pPr>
-          </a:lstStyle>
-          <a:p>
-            <a:endParaRPr lang="es-ES"/>
-          </a:p>
-        </p:txBody>
-      </p:sp>
-      <p:sp>
-        <p:nvSpPr>
-          <p:cNvPr id="6" name="Slide Number Placeholder 5"/>
-          <p:cNvSpPr>
-            <a:spLocks noGrp="1"/>
-          </p:cNvSpPr>
-          <p:nvPr>
-            <p:ph type="sldNum" sz="quarter" idx="12"/>
-          </p:nvPr>
-        </p:nvSpPr>
-        <p:spPr/>
-        <p:txBody>
-          <a:bodyPr/>
-          <a:lstStyle>
-            <a:lvl1pPr>
-              <a:defRPr/>
-            </a:lvl1pPr>
-          </a:lstStyle>
-          <a:p>
-            <a:fld id="{38E48F08-5806-4A18-AEAE-47F5E6A3AF1F}" type="slidenum">
-              <a:rPr lang="es-ES"/>
-              <a:pPr/>
-              <a:t>‹#›</a:t>
-            </a:fld>
-            <a:endParaRPr lang="es-ES"/>
-          </a:p>
-        </p:txBody>
-      </p:sp>
     </p:spTree>
   </p:cSld>
   <p:clrMapOvr>
@@ -538,8 +1071,8 @@
         </p:nvSpPr>
         <p:spPr>
           <a:xfrm>
-            <a:off x="6629400" y="274638"/>
-            <a:ext cx="2057400" cy="5851525"/>
+            <a:off x="6267450" y="457200"/>
+            <a:ext cx="1962150" cy="5791200"/>
           </a:xfrm>
         </p:spPr>
         <p:txBody>
@@ -566,8 +1099,8 @@
         </p:nvSpPr>
         <p:spPr>
           <a:xfrm>
-            <a:off x="457200" y="274638"/>
-            <a:ext cx="6019800" cy="5851525"/>
+            <a:off x="381000" y="457200"/>
+            <a:ext cx="5734050" cy="5791200"/>
           </a:xfrm>
         </p:spPr>
         <p:txBody>
@@ -608,80 +1141,6 @@
               <a:t>Fifth level</a:t>
             </a:r>
             <a:endParaRPr lang="en-US"/>
-          </a:p>
-        </p:txBody>
-      </p:sp>
-      <p:sp>
-        <p:nvSpPr>
-          <p:cNvPr id="4" name="Date Placeholder 3"/>
-          <p:cNvSpPr>
-            <a:spLocks noGrp="1"/>
-          </p:cNvSpPr>
-          <p:nvPr>
-            <p:ph type="dt" sz="half" idx="10"/>
-          </p:nvPr>
-        </p:nvSpPr>
-        <p:spPr/>
-        <p:txBody>
-          <a:bodyPr/>
-          <a:lstStyle>
-            <a:lvl1pPr>
-              <a:defRPr/>
-            </a:lvl1pPr>
-          </a:lstStyle>
-          <a:p>
-            <a:endParaRPr lang="es-ES"/>
-          </a:p>
-        </p:txBody>
-      </p:sp>
-      <p:sp>
-        <p:nvSpPr>
-          <p:cNvPr id="5" name="Footer Placeholder 4"/>
-          <p:cNvSpPr>
-            <a:spLocks noGrp="1"/>
-          </p:cNvSpPr>
-          <p:nvPr>
-            <p:ph type="ftr" sz="quarter" idx="11"/>
-          </p:nvPr>
-        </p:nvSpPr>
-        <p:spPr/>
-        <p:txBody>
-          <a:bodyPr/>
-          <a:lstStyle>
-            <a:lvl1pPr>
-              <a:defRPr/>
-            </a:lvl1pPr>
-          </a:lstStyle>
-          <a:p>
-            <a:endParaRPr lang="es-ES"/>
-          </a:p>
-        </p:txBody>
-      </p:sp>
-      <p:sp>
-        <p:nvSpPr>
-          <p:cNvPr id="6" name="Slide Number Placeholder 5"/>
-          <p:cNvSpPr>
-            <a:spLocks noGrp="1"/>
-          </p:cNvSpPr>
-          <p:nvPr>
-            <p:ph type="sldNum" sz="quarter" idx="12"/>
-          </p:nvPr>
-        </p:nvSpPr>
-        <p:spPr/>
-        <p:txBody>
-          <a:bodyPr/>
-          <a:lstStyle>
-            <a:lvl1pPr>
-              <a:defRPr/>
-            </a:lvl1pPr>
-          </a:lstStyle>
-          <a:p>
-            <a:fld id="{6DF38A7E-86BC-4EAE-B38E-30F87335C40A}" type="slidenum">
-              <a:rPr lang="es-ES"/>
-              <a:pPr/>
-              <a:t>‹#›</a:t>
-            </a:fld>
-            <a:endParaRPr lang="es-ES"/>
           </a:p>
         </p:txBody>
       </p:sp>
@@ -785,80 +1244,6 @@
           </a:p>
         </p:txBody>
       </p:sp>
-      <p:sp>
-        <p:nvSpPr>
-          <p:cNvPr id="4" name="Date Placeholder 3"/>
-          <p:cNvSpPr>
-            <a:spLocks noGrp="1"/>
-          </p:cNvSpPr>
-          <p:nvPr>
-            <p:ph type="dt" sz="half" idx="10"/>
-          </p:nvPr>
-        </p:nvSpPr>
-        <p:spPr/>
-        <p:txBody>
-          <a:bodyPr/>
-          <a:lstStyle>
-            <a:lvl1pPr>
-              <a:defRPr/>
-            </a:lvl1pPr>
-          </a:lstStyle>
-          <a:p>
-            <a:endParaRPr lang="es-ES"/>
-          </a:p>
-        </p:txBody>
-      </p:sp>
-      <p:sp>
-        <p:nvSpPr>
-          <p:cNvPr id="5" name="Footer Placeholder 4"/>
-          <p:cNvSpPr>
-            <a:spLocks noGrp="1"/>
-          </p:cNvSpPr>
-          <p:nvPr>
-            <p:ph type="ftr" sz="quarter" idx="11"/>
-          </p:nvPr>
-        </p:nvSpPr>
-        <p:spPr/>
-        <p:txBody>
-          <a:bodyPr/>
-          <a:lstStyle>
-            <a:lvl1pPr>
-              <a:defRPr/>
-            </a:lvl1pPr>
-          </a:lstStyle>
-          <a:p>
-            <a:endParaRPr lang="es-ES"/>
-          </a:p>
-        </p:txBody>
-      </p:sp>
-      <p:sp>
-        <p:nvSpPr>
-          <p:cNvPr id="6" name="Slide Number Placeholder 5"/>
-          <p:cNvSpPr>
-            <a:spLocks noGrp="1"/>
-          </p:cNvSpPr>
-          <p:nvPr>
-            <p:ph type="sldNum" sz="quarter" idx="12"/>
-          </p:nvPr>
-        </p:nvSpPr>
-        <p:spPr/>
-        <p:txBody>
-          <a:bodyPr/>
-          <a:lstStyle>
-            <a:lvl1pPr>
-              <a:defRPr/>
-            </a:lvl1pPr>
-          </a:lstStyle>
-          <a:p>
-            <a:fld id="{49D38C7D-BF36-4915-9E53-4A9B88663C3D}" type="slidenum">
-              <a:rPr lang="es-ES"/>
-              <a:pPr/>
-              <a:t>‹#›</a:t>
-            </a:fld>
-            <a:endParaRPr lang="es-ES"/>
-          </a:p>
-        </p:txBody>
-      </p:sp>
     </p:spTree>
   </p:cSld>
   <p:clrMapOvr>
@@ -981,80 +1366,6 @@
           </a:p>
         </p:txBody>
       </p:sp>
-      <p:sp>
-        <p:nvSpPr>
-          <p:cNvPr id="4" name="Date Placeholder 3"/>
-          <p:cNvSpPr>
-            <a:spLocks noGrp="1"/>
-          </p:cNvSpPr>
-          <p:nvPr>
-            <p:ph type="dt" sz="half" idx="10"/>
-          </p:nvPr>
-        </p:nvSpPr>
-        <p:spPr/>
-        <p:txBody>
-          <a:bodyPr/>
-          <a:lstStyle>
-            <a:lvl1pPr>
-              <a:defRPr/>
-            </a:lvl1pPr>
-          </a:lstStyle>
-          <a:p>
-            <a:endParaRPr lang="es-ES"/>
-          </a:p>
-        </p:txBody>
-      </p:sp>
-      <p:sp>
-        <p:nvSpPr>
-          <p:cNvPr id="5" name="Footer Placeholder 4"/>
-          <p:cNvSpPr>
-            <a:spLocks noGrp="1"/>
-          </p:cNvSpPr>
-          <p:nvPr>
-            <p:ph type="ftr" sz="quarter" idx="11"/>
-          </p:nvPr>
-        </p:nvSpPr>
-        <p:spPr/>
-        <p:txBody>
-          <a:bodyPr/>
-          <a:lstStyle>
-            <a:lvl1pPr>
-              <a:defRPr/>
-            </a:lvl1pPr>
-          </a:lstStyle>
-          <a:p>
-            <a:endParaRPr lang="es-ES"/>
-          </a:p>
-        </p:txBody>
-      </p:sp>
-      <p:sp>
-        <p:nvSpPr>
-          <p:cNvPr id="6" name="Slide Number Placeholder 5"/>
-          <p:cNvSpPr>
-            <a:spLocks noGrp="1"/>
-          </p:cNvSpPr>
-          <p:nvPr>
-            <p:ph type="sldNum" sz="quarter" idx="12"/>
-          </p:nvPr>
-        </p:nvSpPr>
-        <p:spPr/>
-        <p:txBody>
-          <a:bodyPr/>
-          <a:lstStyle>
-            <a:lvl1pPr>
-              <a:defRPr/>
-            </a:lvl1pPr>
-          </a:lstStyle>
-          <a:p>
-            <a:fld id="{7FD559EE-463D-4349-BED8-7073477EDB2B}" type="slidenum">
-              <a:rPr lang="es-ES"/>
-              <a:pPr/>
-              <a:t>‹#›</a:t>
-            </a:fld>
-            <a:endParaRPr lang="es-ES"/>
-          </a:p>
-        </p:txBody>
-      </p:sp>
     </p:spTree>
   </p:cSld>
   <p:clrMapOvr>
@@ -1115,8 +1426,8 @@
         </p:nvSpPr>
         <p:spPr>
           <a:xfrm>
-            <a:off x="457200" y="1600200"/>
-            <a:ext cx="4038600" cy="4525963"/>
+            <a:off x="914400" y="1981200"/>
+            <a:ext cx="3581400" cy="4267200"/>
           </a:xfrm>
         </p:spPr>
         <p:txBody>
@@ -1200,8 +1511,8 @@
         </p:nvSpPr>
         <p:spPr>
           <a:xfrm>
-            <a:off x="4648200" y="1600200"/>
-            <a:ext cx="4038600" cy="4525963"/>
+            <a:off x="4648200" y="1981200"/>
+            <a:ext cx="3581400" cy="4267200"/>
           </a:xfrm>
         </p:spPr>
         <p:txBody>
@@ -1273,80 +1584,6 @@
           </a:p>
         </p:txBody>
       </p:sp>
-      <p:sp>
-        <p:nvSpPr>
-          <p:cNvPr id="5" name="Date Placeholder 4"/>
-          <p:cNvSpPr>
-            <a:spLocks noGrp="1"/>
-          </p:cNvSpPr>
-          <p:nvPr>
-            <p:ph type="dt" sz="half" idx="10"/>
-          </p:nvPr>
-        </p:nvSpPr>
-        <p:spPr/>
-        <p:txBody>
-          <a:bodyPr/>
-          <a:lstStyle>
-            <a:lvl1pPr>
-              <a:defRPr/>
-            </a:lvl1pPr>
-          </a:lstStyle>
-          <a:p>
-            <a:endParaRPr lang="es-ES"/>
-          </a:p>
-        </p:txBody>
-      </p:sp>
-      <p:sp>
-        <p:nvSpPr>
-          <p:cNvPr id="6" name="Footer Placeholder 5"/>
-          <p:cNvSpPr>
-            <a:spLocks noGrp="1"/>
-          </p:cNvSpPr>
-          <p:nvPr>
-            <p:ph type="ftr" sz="quarter" idx="11"/>
-          </p:nvPr>
-        </p:nvSpPr>
-        <p:spPr/>
-        <p:txBody>
-          <a:bodyPr/>
-          <a:lstStyle>
-            <a:lvl1pPr>
-              <a:defRPr/>
-            </a:lvl1pPr>
-          </a:lstStyle>
-          <a:p>
-            <a:endParaRPr lang="es-ES"/>
-          </a:p>
-        </p:txBody>
-      </p:sp>
-      <p:sp>
-        <p:nvSpPr>
-          <p:cNvPr id="7" name="Slide Number Placeholder 6"/>
-          <p:cNvSpPr>
-            <a:spLocks noGrp="1"/>
-          </p:cNvSpPr>
-          <p:nvPr>
-            <p:ph type="sldNum" sz="quarter" idx="12"/>
-          </p:nvPr>
-        </p:nvSpPr>
-        <p:spPr/>
-        <p:txBody>
-          <a:bodyPr/>
-          <a:lstStyle>
-            <a:lvl1pPr>
-              <a:defRPr/>
-            </a:lvl1pPr>
-          </a:lstStyle>
-          <a:p>
-            <a:fld id="{DBCB7A3E-7454-40D8-819A-3D8C07BD43EA}" type="slidenum">
-              <a:rPr lang="es-ES"/>
-              <a:pPr/>
-              <a:t>‹#›</a:t>
-            </a:fld>
-            <a:endParaRPr lang="es-ES"/>
-          </a:p>
-        </p:txBody>
-      </p:sp>
     </p:spTree>
   </p:cSld>
   <p:clrMapOvr>
@@ -1382,7 +1619,12 @@
             <p:ph type="title"/>
           </p:nvPr>
         </p:nvSpPr>
-        <p:spPr/>
+        <p:spPr>
+          <a:xfrm>
+            <a:off x="457200" y="274638"/>
+            <a:ext cx="8229600" cy="1143000"/>
+          </a:xfrm>
+        </p:spPr>
         <p:txBody>
           <a:bodyPr/>
           <a:lstStyle>
@@ -1699,80 +1941,6 @@
           </a:p>
         </p:txBody>
       </p:sp>
-      <p:sp>
-        <p:nvSpPr>
-          <p:cNvPr id="7" name="Date Placeholder 6"/>
-          <p:cNvSpPr>
-            <a:spLocks noGrp="1"/>
-          </p:cNvSpPr>
-          <p:nvPr>
-            <p:ph type="dt" sz="half" idx="10"/>
-          </p:nvPr>
-        </p:nvSpPr>
-        <p:spPr/>
-        <p:txBody>
-          <a:bodyPr/>
-          <a:lstStyle>
-            <a:lvl1pPr>
-              <a:defRPr/>
-            </a:lvl1pPr>
-          </a:lstStyle>
-          <a:p>
-            <a:endParaRPr lang="es-ES"/>
-          </a:p>
-        </p:txBody>
-      </p:sp>
-      <p:sp>
-        <p:nvSpPr>
-          <p:cNvPr id="8" name="Footer Placeholder 7"/>
-          <p:cNvSpPr>
-            <a:spLocks noGrp="1"/>
-          </p:cNvSpPr>
-          <p:nvPr>
-            <p:ph type="ftr" sz="quarter" idx="11"/>
-          </p:nvPr>
-        </p:nvSpPr>
-        <p:spPr/>
-        <p:txBody>
-          <a:bodyPr/>
-          <a:lstStyle>
-            <a:lvl1pPr>
-              <a:defRPr/>
-            </a:lvl1pPr>
-          </a:lstStyle>
-          <a:p>
-            <a:endParaRPr lang="es-ES"/>
-          </a:p>
-        </p:txBody>
-      </p:sp>
-      <p:sp>
-        <p:nvSpPr>
-          <p:cNvPr id="9" name="Slide Number Placeholder 8"/>
-          <p:cNvSpPr>
-            <a:spLocks noGrp="1"/>
-          </p:cNvSpPr>
-          <p:nvPr>
-            <p:ph type="sldNum" sz="quarter" idx="12"/>
-          </p:nvPr>
-        </p:nvSpPr>
-        <p:spPr/>
-        <p:txBody>
-          <a:bodyPr/>
-          <a:lstStyle>
-            <a:lvl1pPr>
-              <a:defRPr/>
-            </a:lvl1pPr>
-          </a:lstStyle>
-          <a:p>
-            <a:fld id="{B46B456C-EC09-4CF1-BCC8-78CEF5B20FF6}" type="slidenum">
-              <a:rPr lang="es-ES"/>
-              <a:pPr/>
-              <a:t>‹#›</a:t>
-            </a:fld>
-            <a:endParaRPr lang="es-ES"/>
-          </a:p>
-        </p:txBody>
-      </p:sp>
     </p:spTree>
   </p:cSld>
   <p:clrMapOvr>
@@ -1821,80 +1989,6 @@
           </a:p>
         </p:txBody>
       </p:sp>
-      <p:sp>
-        <p:nvSpPr>
-          <p:cNvPr id="3" name="Date Placeholder 2"/>
-          <p:cNvSpPr>
-            <a:spLocks noGrp="1"/>
-          </p:cNvSpPr>
-          <p:nvPr>
-            <p:ph type="dt" sz="half" idx="10"/>
-          </p:nvPr>
-        </p:nvSpPr>
-        <p:spPr/>
-        <p:txBody>
-          <a:bodyPr/>
-          <a:lstStyle>
-            <a:lvl1pPr>
-              <a:defRPr/>
-            </a:lvl1pPr>
-          </a:lstStyle>
-          <a:p>
-            <a:endParaRPr lang="es-ES"/>
-          </a:p>
-        </p:txBody>
-      </p:sp>
-      <p:sp>
-        <p:nvSpPr>
-          <p:cNvPr id="4" name="Footer Placeholder 3"/>
-          <p:cNvSpPr>
-            <a:spLocks noGrp="1"/>
-          </p:cNvSpPr>
-          <p:nvPr>
-            <p:ph type="ftr" sz="quarter" idx="11"/>
-          </p:nvPr>
-        </p:nvSpPr>
-        <p:spPr/>
-        <p:txBody>
-          <a:bodyPr/>
-          <a:lstStyle>
-            <a:lvl1pPr>
-              <a:defRPr/>
-            </a:lvl1pPr>
-          </a:lstStyle>
-          <a:p>
-            <a:endParaRPr lang="es-ES"/>
-          </a:p>
-        </p:txBody>
-      </p:sp>
-      <p:sp>
-        <p:nvSpPr>
-          <p:cNvPr id="5" name="Slide Number Placeholder 4"/>
-          <p:cNvSpPr>
-            <a:spLocks noGrp="1"/>
-          </p:cNvSpPr>
-          <p:nvPr>
-            <p:ph type="sldNum" sz="quarter" idx="12"/>
-          </p:nvPr>
-        </p:nvSpPr>
-        <p:spPr/>
-        <p:txBody>
-          <a:bodyPr/>
-          <a:lstStyle>
-            <a:lvl1pPr>
-              <a:defRPr/>
-            </a:lvl1pPr>
-          </a:lstStyle>
-          <a:p>
-            <a:fld id="{7E76BFDF-3403-4BC2-A36B-FAA5F9DCFE6E}" type="slidenum">
-              <a:rPr lang="es-ES"/>
-              <a:pPr/>
-              <a:t>‹#›</a:t>
-            </a:fld>
-            <a:endParaRPr lang="es-ES"/>
-          </a:p>
-        </p:txBody>
-      </p:sp>
     </p:spTree>
   </p:cSld>
   <p:clrMapOvr>
@@ -1920,80 +2014,6 @@
           <a:chExt cx="0" cy="0"/>
         </a:xfrm>
       </p:grpSpPr>
-      <p:sp>
-        <p:nvSpPr>
-          <p:cNvPr id="2" name="Date Placeholder 1"/>
-          <p:cNvSpPr>
-            <a:spLocks noGrp="1"/>
-          </p:cNvSpPr>
-          <p:nvPr>
-            <p:ph type="dt" sz="half" idx="10"/>
-          </p:nvPr>
-        </p:nvSpPr>
-        <p:spPr/>
-        <p:txBody>
-          <a:bodyPr/>
-          <a:lstStyle>
-            <a:lvl1pPr>
-              <a:defRPr/>
-            </a:lvl1pPr>
-          </a:lstStyle>
-          <a:p>
-            <a:endParaRPr lang="es-ES"/>
-          </a:p>
-        </p:txBody>
-      </p:sp>
-      <p:sp>
-        <p:nvSpPr>
-          <p:cNvPr id="3" name="Footer Placeholder 2"/>
-          <p:cNvSpPr>
-            <a:spLocks noGrp="1"/>
-          </p:cNvSpPr>
-          <p:nvPr>
-            <p:ph type="ftr" sz="quarter" idx="11"/>
-          </p:nvPr>
-        </p:nvSpPr>
-        <p:spPr/>
-        <p:txBody>
-          <a:bodyPr/>
-          <a:lstStyle>
-            <a:lvl1pPr>
-              <a:defRPr/>
-            </a:lvl1pPr>
-          </a:lstStyle>
-          <a:p>
-            <a:endParaRPr lang="es-ES"/>
-          </a:p>
-        </p:txBody>
-      </p:sp>
-      <p:sp>
-        <p:nvSpPr>
-          <p:cNvPr id="4" name="Slide Number Placeholder 3"/>
-          <p:cNvSpPr>
-            <a:spLocks noGrp="1"/>
-          </p:cNvSpPr>
-          <p:nvPr>
-            <p:ph type="sldNum" sz="quarter" idx="12"/>
-          </p:nvPr>
-        </p:nvSpPr>
-        <p:spPr/>
-        <p:txBody>
-          <a:bodyPr/>
-          <a:lstStyle>
-            <a:lvl1pPr>
-              <a:defRPr/>
-            </a:lvl1pPr>
-          </a:lstStyle>
-          <a:p>
-            <a:fld id="{BAB6F0FF-8F3E-44A4-BB9D-619D43F72208}" type="slidenum">
-              <a:rPr lang="es-ES"/>
-              <a:pPr/>
-              <a:t>‹#›</a:t>
-            </a:fld>
-            <a:endParaRPr lang="es-ES"/>
-          </a:p>
-        </p:txBody>
-      </p:sp>
     </p:spTree>
   </p:cSld>
   <p:clrMapOvr>
@@ -2201,80 +2221,6 @@
           </a:p>
         </p:txBody>
       </p:sp>
-      <p:sp>
-        <p:nvSpPr>
-          <p:cNvPr id="5" name="Date Placeholder 4"/>
-          <p:cNvSpPr>
-            <a:spLocks noGrp="1"/>
-          </p:cNvSpPr>
-          <p:nvPr>
-            <p:ph type="dt" sz="half" idx="10"/>
-          </p:nvPr>
-        </p:nvSpPr>
-        <p:spPr/>
-        <p:txBody>
-          <a:bodyPr/>
-          <a:lstStyle>
-            <a:lvl1pPr>
-              <a:defRPr/>
-            </a:lvl1pPr>
-          </a:lstStyle>
-          <a:p>
-            <a:endParaRPr lang="es-ES"/>
-          </a:p>
-        </p:txBody>
-      </p:sp>
-      <p:sp>
-        <p:nvSpPr>
-          <p:cNvPr id="6" name="Footer Placeholder 5"/>
-          <p:cNvSpPr>
-            <a:spLocks noGrp="1"/>
-          </p:cNvSpPr>
-          <p:nvPr>
-            <p:ph type="ftr" sz="quarter" idx="11"/>
-          </p:nvPr>
-        </p:nvSpPr>
-        <p:spPr/>
-        <p:txBody>
-          <a:bodyPr/>
-          <a:lstStyle>
-            <a:lvl1pPr>
-              <a:defRPr/>
-            </a:lvl1pPr>
-          </a:lstStyle>
-          <a:p>
-            <a:endParaRPr lang="es-ES"/>
-          </a:p>
-        </p:txBody>
-      </p:sp>
-      <p:sp>
-        <p:nvSpPr>
-          <p:cNvPr id="7" name="Slide Number Placeholder 6"/>
-          <p:cNvSpPr>
-            <a:spLocks noGrp="1"/>
-          </p:cNvSpPr>
-          <p:nvPr>
-            <p:ph type="sldNum" sz="quarter" idx="12"/>
-          </p:nvPr>
-        </p:nvSpPr>
-        <p:spPr/>
-        <p:txBody>
-          <a:bodyPr/>
-          <a:lstStyle>
-            <a:lvl1pPr>
-              <a:defRPr/>
-            </a:lvl1pPr>
-          </a:lstStyle>
-          <a:p>
-            <a:fld id="{73B305A4-76F2-4E44-8428-22D188516DBF}" type="slidenum">
-              <a:rPr lang="es-ES"/>
-              <a:pPr/>
-              <a:t>‹#›</a:t>
-            </a:fld>
-            <a:endParaRPr lang="es-ES"/>
-          </a:p>
-        </p:txBody>
-      </p:sp>
     </p:spTree>
   </p:cSld>
   <p:clrMapOvr>
@@ -2389,6 +2335,10 @@
             </a:lvl9pPr>
           </a:lstStyle>
           <a:p>
+            <a:r>
+              <a:rPr lang="en-US" smtClean="0"/>
+              <a:t>Click icon to add picture</a:t>
+            </a:r>
             <a:endParaRPr lang="en-US"/>
           </a:p>
         </p:txBody>
@@ -2455,80 +2405,6 @@
               <a:rPr lang="en-US" smtClean="0"/>
               <a:t>Click to edit Master text styles</a:t>
             </a:r>
-          </a:p>
-        </p:txBody>
-      </p:sp>
-      <p:sp>
-        <p:nvSpPr>
-          <p:cNvPr id="5" name="Date Placeholder 4"/>
-          <p:cNvSpPr>
-            <a:spLocks noGrp="1"/>
-          </p:cNvSpPr>
-          <p:nvPr>
-            <p:ph type="dt" sz="half" idx="10"/>
-          </p:nvPr>
-        </p:nvSpPr>
-        <p:spPr/>
-        <p:txBody>
-          <a:bodyPr/>
-          <a:lstStyle>
-            <a:lvl1pPr>
-              <a:defRPr/>
-            </a:lvl1pPr>
-          </a:lstStyle>
-          <a:p>
-            <a:endParaRPr lang="es-ES"/>
-          </a:p>
-        </p:txBody>
-      </p:sp>
-      <p:sp>
-        <p:nvSpPr>
-          <p:cNvPr id="6" name="Footer Placeholder 5"/>
-          <p:cNvSpPr>
-            <a:spLocks noGrp="1"/>
-          </p:cNvSpPr>
-          <p:nvPr>
-            <p:ph type="ftr" sz="quarter" idx="11"/>
-          </p:nvPr>
-        </p:nvSpPr>
-        <p:spPr/>
-        <p:txBody>
-          <a:bodyPr/>
-          <a:lstStyle>
-            <a:lvl1pPr>
-              <a:defRPr/>
-            </a:lvl1pPr>
-          </a:lstStyle>
-          <a:p>
-            <a:endParaRPr lang="es-ES"/>
-          </a:p>
-        </p:txBody>
-      </p:sp>
-      <p:sp>
-        <p:nvSpPr>
-          <p:cNvPr id="7" name="Slide Number Placeholder 6"/>
-          <p:cNvSpPr>
-            <a:spLocks noGrp="1"/>
-          </p:cNvSpPr>
-          <p:nvPr>
-            <p:ph type="sldNum" sz="quarter" idx="12"/>
-          </p:nvPr>
-        </p:nvSpPr>
-        <p:spPr/>
-        <p:txBody>
-          <a:bodyPr/>
-          <a:lstStyle>
-            <a:lvl1pPr>
-              <a:defRPr/>
-            </a:lvl1pPr>
-          </a:lstStyle>
-          <a:p>
-            <a:fld id="{1F02101F-9BF3-436C-9A0A-E52F267987F0}" type="slidenum">
-              <a:rPr lang="es-ES"/>
-              <a:pPr/>
-              <a:t>‹#›</a:t>
-            </a:fld>
-            <a:endParaRPr lang="es-ES"/>
           </a:p>
         </p:txBody>
       </p:sp>
@@ -2581,8 +2457,8 @@
         </p:nvSpPr>
         <p:spPr bwMode="auto">
           <a:xfrm>
-            <a:off x="457200" y="274638"/>
-            <a:ext cx="8229600" cy="1143000"/>
+            <a:off x="381000" y="457200"/>
+            <a:ext cx="7315200" cy="715963"/>
           </a:xfrm>
           <a:prstGeom prst="rect">
             <a:avLst/>
@@ -2606,9 +2482,10 @@
           <a:p>
             <a:pPr lvl="0"/>
             <a:r>
-              <a:rPr lang="es-ES" smtClean="0"/>
-              <a:t>Haga clic para cambiar el estilo de título	</a:t>
-            </a:r>
+              <a:rPr lang="en-US" smtClean="0"/>
+              <a:t>Click to edit Master title style</a:t>
+            </a:r>
+            <a:endParaRPr lang="en-US" smtClean="0"/>
           </a:p>
         </p:txBody>
       </p:sp>
@@ -2624,8 +2501,8 @@
         </p:nvSpPr>
         <p:spPr bwMode="auto">
           <a:xfrm>
-            <a:off x="457200" y="1600200"/>
-            <a:ext cx="8229600" cy="4525963"/>
+            <a:off x="914400" y="1981200"/>
+            <a:ext cx="7315200" cy="4267200"/>
           </a:xfrm>
           <a:prstGeom prst="rect">
             <a:avLst/>
@@ -2649,171 +2526,38 @@
           <a:p>
             <a:pPr lvl="0"/>
             <a:r>
-              <a:rPr lang="es-ES" smtClean="0"/>
-              <a:t>Haga clic para modificar el estilo de texto del patrón</a:t>
+              <a:rPr lang="en-US" smtClean="0"/>
+              <a:t>Click to edit Master text styles</a:t>
             </a:r>
           </a:p>
           <a:p>
             <a:pPr lvl="1"/>
             <a:r>
-              <a:rPr lang="es-ES" smtClean="0"/>
-              <a:t>Segundo nivel</a:t>
+              <a:rPr lang="en-US" smtClean="0"/>
+              <a:t>Second level</a:t>
             </a:r>
           </a:p>
           <a:p>
             <a:pPr lvl="2"/>
             <a:r>
-              <a:rPr lang="es-ES" smtClean="0"/>
-              <a:t>Tercer nivel</a:t>
+              <a:rPr lang="en-US" smtClean="0"/>
+              <a:t>Third level</a:t>
             </a:r>
           </a:p>
           <a:p>
             <a:pPr lvl="3"/>
             <a:r>
-              <a:rPr lang="es-ES" smtClean="0"/>
-              <a:t>Cuarto nivel</a:t>
+              <a:rPr lang="en-US" smtClean="0"/>
+              <a:t>Fourth level</a:t>
             </a:r>
           </a:p>
           <a:p>
             <a:pPr lvl="4"/>
             <a:r>
-              <a:rPr lang="es-ES" smtClean="0"/>
-              <a:t>Quinto nivel</a:t>
-            </a:r>
-          </a:p>
-        </p:txBody>
-      </p:sp>
-      <p:sp>
-        <p:nvSpPr>
-          <p:cNvPr id="1028" name="Rectangle 4"/>
-          <p:cNvSpPr>
-            <a:spLocks noGrp="1" noChangeArrowheads="1"/>
-          </p:cNvSpPr>
-          <p:nvPr>
-            <p:ph type="dt" sz="half" idx="2"/>
-          </p:nvPr>
-        </p:nvSpPr>
-        <p:spPr bwMode="auto">
-          <a:xfrm>
-            <a:off x="457200" y="6245225"/>
-            <a:ext cx="2133600" cy="476250"/>
-          </a:xfrm>
-          <a:prstGeom prst="rect">
-            <a:avLst/>
-          </a:prstGeom>
-          <a:noFill/>
-          <a:ln w="9525">
-            <a:noFill/>
-            <a:miter lim="800000"/>
-            <a:headEnd/>
-            <a:tailEnd/>
-          </a:ln>
-          <a:effectLst/>
-        </p:spPr>
-        <p:txBody>
-          <a:bodyPr vert="horz" wrap="square" lIns="91440" tIns="45720" rIns="91440" bIns="45720" numCol="1" anchor="t" anchorCtr="0" compatLnSpc="1">
-            <a:prstTxWarp prst="textNoShape">
-              <a:avLst/>
-            </a:prstTxWarp>
-          </a:bodyPr>
-          <a:lstStyle>
-            <a:lvl1pPr>
-              <a:defRPr sz="1400"/>
-            </a:lvl1pPr>
-          </a:lstStyle>
-          <a:p>
-            <a:endParaRPr lang="es-ES"/>
-          </a:p>
-        </p:txBody>
-      </p:sp>
-      <p:sp>
-        <p:nvSpPr>
-          <p:cNvPr id="1029" name="Rectangle 5"/>
-          <p:cNvSpPr>
-            <a:spLocks noGrp="1" noChangeArrowheads="1"/>
-          </p:cNvSpPr>
-          <p:nvPr>
-            <p:ph type="ftr" sz="quarter" idx="3"/>
-          </p:nvPr>
-        </p:nvSpPr>
-        <p:spPr bwMode="auto">
-          <a:xfrm>
-            <a:off x="3124200" y="6245225"/>
-            <a:ext cx="2895600" cy="476250"/>
-          </a:xfrm>
-          <a:prstGeom prst="rect">
-            <a:avLst/>
-          </a:prstGeom>
-          <a:noFill/>
-          <a:ln w="9525">
-            <a:noFill/>
-            <a:miter lim="800000"/>
-            <a:headEnd/>
-            <a:tailEnd/>
-          </a:ln>
-          <a:effectLst/>
-        </p:spPr>
-        <p:txBody>
-          <a:bodyPr vert="horz" wrap="square" lIns="91440" tIns="45720" rIns="91440" bIns="45720" numCol="1" anchor="t" anchorCtr="0" compatLnSpc="1">
-            <a:prstTxWarp prst="textNoShape">
-              <a:avLst/>
-            </a:prstTxWarp>
-          </a:bodyPr>
-          <a:lstStyle>
-            <a:lvl1pPr algn="ctr">
-              <a:defRPr sz="1400"/>
-            </a:lvl1pPr>
-          </a:lstStyle>
-          <a:p>
-            <a:endParaRPr lang="es-ES"/>
-          </a:p>
-        </p:txBody>
-      </p:sp>
-      <p:sp>
-        <p:nvSpPr>
-          <p:cNvPr id="1030" name="Rectangle 6"/>
-          <p:cNvSpPr>
-            <a:spLocks noGrp="1" noChangeArrowheads="1"/>
-          </p:cNvSpPr>
-          <p:nvPr>
-            <p:ph type="sldNum" sz="quarter" idx="4"/>
-          </p:nvPr>
-        </p:nvSpPr>
-        <p:spPr bwMode="auto">
-          <a:xfrm>
-            <a:off x="6553200" y="6245225"/>
-            <a:ext cx="2133600" cy="476250"/>
-          </a:xfrm>
-          <a:prstGeom prst="rect">
-            <a:avLst/>
-          </a:prstGeom>
-          <a:noFill/>
-          <a:ln w="9525">
-            <a:noFill/>
-            <a:miter lim="800000"/>
-            <a:headEnd/>
-            <a:tailEnd/>
-          </a:ln>
-          <a:effectLst/>
-        </p:spPr>
-        <p:txBody>
-          <a:bodyPr vert="horz" wrap="square" lIns="91440" tIns="45720" rIns="91440" bIns="45720" numCol="1" anchor="t" anchorCtr="0" compatLnSpc="1">
-            <a:prstTxWarp prst="textNoShape">
-              <a:avLst/>
-            </a:prstTxWarp>
-          </a:bodyPr>
-          <a:lstStyle>
-            <a:lvl1pPr algn="r">
-              <a:defRPr sz="1400"/>
-            </a:lvl1pPr>
-          </a:lstStyle>
-          <a:p>
-            <a:fld id="{D96B73DA-2628-41E2-ADA4-7FD412F7E672}" type="slidenum">
-              <a:rPr lang="es-ES"/>
-              <a:pPr/>
-              <a:t>‹#›</a:t>
-            </a:fld>
-            <a:endParaRPr lang="es-ES"/>
+              <a:rPr lang="en-US" smtClean="0"/>
+              <a:t>Fifth level</a:t>
+            </a:r>
+            <a:endParaRPr lang="en-US" smtClean="0"/>
           </a:p>
         </p:txBody>
       </p:sp>
@@ -2835,7 +2579,7 @@
   </p:sldLayoutIdLst>
   <p:txStyles>
     <p:titleStyle>
-      <a:lvl1pPr algn="ctr" rtl="0" fontAlgn="base">
+      <a:lvl1pPr algn="l" rtl="0" eaLnBrk="1" fontAlgn="base" hangingPunct="1">
         <a:spcBef>
           <a:spcPct val="0"/>
         </a:spcBef>
@@ -2844,14 +2588,14 @@
         </a:spcAft>
         <a:defRPr sz="4400">
           <a:solidFill>
-            <a:schemeClr val="tx2"/>
+            <a:schemeClr val="hlink"/>
           </a:solidFill>
           <a:latin typeface="+mj-lt"/>
           <a:ea typeface="+mj-ea"/>
           <a:cs typeface="+mj-cs"/>
         </a:defRPr>
       </a:lvl1pPr>
-      <a:lvl2pPr algn="ctr" rtl="0" fontAlgn="base">
+      <a:lvl2pPr algn="l" rtl="0" eaLnBrk="1" fontAlgn="base" hangingPunct="1">
         <a:spcBef>
           <a:spcPct val="0"/>
         </a:spcBef>
@@ -2860,12 +2604,12 @@
         </a:spcAft>
         <a:defRPr sz="4400">
           <a:solidFill>
-            <a:schemeClr val="tx2"/>
+            <a:schemeClr val="hlink"/>
           </a:solidFill>
-          <a:latin typeface="Arial" charset="0"/>
+          <a:latin typeface="Microsoft Sans Serif" pitchFamily="34" charset="0"/>
         </a:defRPr>
       </a:lvl2pPr>
-      <a:lvl3pPr algn="ctr" rtl="0" fontAlgn="base">
+      <a:lvl3pPr algn="l" rtl="0" eaLnBrk="1" fontAlgn="base" hangingPunct="1">
         <a:spcBef>
           <a:spcPct val="0"/>
         </a:spcBef>
@@ -2874,12 +2618,12 @@
         </a:spcAft>
         <a:defRPr sz="4400">
           <a:solidFill>
-            <a:schemeClr val="tx2"/>
+            <a:schemeClr val="hlink"/>
           </a:solidFill>
-          <a:latin typeface="Arial" charset="0"/>
+          <a:latin typeface="Microsoft Sans Serif" pitchFamily="34" charset="0"/>
         </a:defRPr>
       </a:lvl3pPr>
-      <a:lvl4pPr algn="ctr" rtl="0" fontAlgn="base">
+      <a:lvl4pPr algn="l" rtl="0" eaLnBrk="1" fontAlgn="base" hangingPunct="1">
         <a:spcBef>
           <a:spcPct val="0"/>
         </a:spcBef>
@@ -2888,12 +2632,12 @@
         </a:spcAft>
         <a:defRPr sz="4400">
           <a:solidFill>
-            <a:schemeClr val="tx2"/>
+            <a:schemeClr val="hlink"/>
           </a:solidFill>
-          <a:latin typeface="Arial" charset="0"/>
+          <a:latin typeface="Microsoft Sans Serif" pitchFamily="34" charset="0"/>
         </a:defRPr>
       </a:lvl4pPr>
-      <a:lvl5pPr algn="ctr" rtl="0" fontAlgn="base">
+      <a:lvl5pPr algn="l" rtl="0" eaLnBrk="1" fontAlgn="base" hangingPunct="1">
         <a:spcBef>
           <a:spcPct val="0"/>
         </a:spcBef>
@@ -2902,12 +2646,12 @@
         </a:spcAft>
         <a:defRPr sz="4400">
           <a:solidFill>
-            <a:schemeClr val="tx2"/>
+            <a:schemeClr val="hlink"/>
           </a:solidFill>
-          <a:latin typeface="Arial" charset="0"/>
+          <a:latin typeface="Microsoft Sans Serif" pitchFamily="34" charset="0"/>
         </a:defRPr>
       </a:lvl5pPr>
-      <a:lvl6pPr marL="457200" algn="ctr" rtl="0" fontAlgn="base">
+      <a:lvl6pPr marL="457200" algn="l" rtl="0" eaLnBrk="1" fontAlgn="base" hangingPunct="1">
         <a:spcBef>
           <a:spcPct val="0"/>
         </a:spcBef>
@@ -2916,12 +2660,12 @@
         </a:spcAft>
         <a:defRPr sz="4400">
           <a:solidFill>
-            <a:schemeClr val="tx2"/>
+            <a:schemeClr val="hlink"/>
           </a:solidFill>
-          <a:latin typeface="Arial" charset="0"/>
+          <a:latin typeface="Microsoft Sans Serif" pitchFamily="34" charset="0"/>
         </a:defRPr>
       </a:lvl6pPr>
-      <a:lvl7pPr marL="914400" algn="ctr" rtl="0" fontAlgn="base">
+      <a:lvl7pPr marL="914400" algn="l" rtl="0" eaLnBrk="1" fontAlgn="base" hangingPunct="1">
         <a:spcBef>
           <a:spcPct val="0"/>
         </a:spcBef>
@@ -2930,12 +2674,12 @@
         </a:spcAft>
         <a:defRPr sz="4400">
           <a:solidFill>
-            <a:schemeClr val="tx2"/>
+            <a:schemeClr val="hlink"/>
           </a:solidFill>
-          <a:latin typeface="Arial" charset="0"/>
+          <a:latin typeface="Microsoft Sans Serif" pitchFamily="34" charset="0"/>
         </a:defRPr>
       </a:lvl7pPr>
-      <a:lvl8pPr marL="1371600" algn="ctr" rtl="0" fontAlgn="base">
+      <a:lvl8pPr marL="1371600" algn="l" rtl="0" eaLnBrk="1" fontAlgn="base" hangingPunct="1">
         <a:spcBef>
           <a:spcPct val="0"/>
         </a:spcBef>
@@ -2944,12 +2688,12 @@
         </a:spcAft>
         <a:defRPr sz="4400">
           <a:solidFill>
-            <a:schemeClr val="tx2"/>
+            <a:schemeClr val="hlink"/>
           </a:solidFill>
-          <a:latin typeface="Arial" charset="0"/>
+          <a:latin typeface="Microsoft Sans Serif" pitchFamily="34" charset="0"/>
         </a:defRPr>
       </a:lvl8pPr>
-      <a:lvl9pPr marL="1828800" algn="ctr" rtl="0" fontAlgn="base">
+      <a:lvl9pPr marL="1828800" algn="l" rtl="0" eaLnBrk="1" fontAlgn="base" hangingPunct="1">
         <a:spcBef>
           <a:spcPct val="0"/>
         </a:spcBef>
@@ -2958,14 +2702,14 @@
         </a:spcAft>
         <a:defRPr sz="4400">
           <a:solidFill>
-            <a:schemeClr val="tx2"/>
+            <a:schemeClr val="hlink"/>
           </a:solidFill>
-          <a:latin typeface="Arial" charset="0"/>
+          <a:latin typeface="Microsoft Sans Serif" pitchFamily="34" charset="0"/>
         </a:defRPr>
       </a:lvl9pPr>
     </p:titleStyle>
     <p:bodyStyle>
-      <a:lvl1pPr marL="342900" indent="-342900" algn="l" rtl="0" fontAlgn="base">
+      <a:lvl1pPr marL="342900" indent="-342900" algn="l" rtl="0" eaLnBrk="1" fontAlgn="base" hangingPunct="1">
         <a:spcBef>
           <a:spcPct val="20000"/>
         </a:spcBef>
@@ -2982,7 +2726,7 @@
           <a:cs typeface="+mn-cs"/>
         </a:defRPr>
       </a:lvl1pPr>
-      <a:lvl2pPr marL="742950" indent="-285750" algn="l" rtl="0" fontAlgn="base">
+      <a:lvl2pPr marL="742950" indent="-285750" algn="l" rtl="0" eaLnBrk="1" fontAlgn="base" hangingPunct="1">
         <a:spcBef>
           <a:spcPct val="20000"/>
         </a:spcBef>
@@ -2997,7 +2741,7 @@
           <a:latin typeface="+mn-lt"/>
         </a:defRPr>
       </a:lvl2pPr>
-      <a:lvl3pPr marL="1143000" indent="-228600" algn="l" rtl="0" fontAlgn="base">
+      <a:lvl3pPr marL="1143000" indent="-228600" algn="l" rtl="0" eaLnBrk="1" fontAlgn="base" hangingPunct="1">
         <a:spcBef>
           <a:spcPct val="20000"/>
         </a:spcBef>
@@ -3012,7 +2756,7 @@
           <a:latin typeface="+mn-lt"/>
         </a:defRPr>
       </a:lvl3pPr>
-      <a:lvl4pPr marL="1600200" indent="-228600" algn="l" rtl="0" fontAlgn="base">
+      <a:lvl4pPr marL="1600200" indent="-228600" algn="l" rtl="0" eaLnBrk="1" fontAlgn="base" hangingPunct="1">
         <a:spcBef>
           <a:spcPct val="20000"/>
         </a:spcBef>
@@ -3027,7 +2771,7 @@
           <a:latin typeface="+mn-lt"/>
         </a:defRPr>
       </a:lvl4pPr>
-      <a:lvl5pPr marL="2057400" indent="-228600" algn="l" rtl="0" fontAlgn="base">
+      <a:lvl5pPr marL="2057400" indent="-228600" algn="l" rtl="0" eaLnBrk="1" fontAlgn="base" hangingPunct="1">
         <a:spcBef>
           <a:spcPct val="20000"/>
         </a:spcBef>
@@ -3042,7 +2786,7 @@
           <a:latin typeface="+mn-lt"/>
         </a:defRPr>
       </a:lvl5pPr>
-      <a:lvl6pPr marL="2514600" indent="-228600" algn="l" rtl="0" fontAlgn="base">
+      <a:lvl6pPr marL="2514600" indent="-228600" algn="l" rtl="0" eaLnBrk="1" fontAlgn="base" hangingPunct="1">
         <a:spcBef>
           <a:spcPct val="20000"/>
         </a:spcBef>
@@ -3057,7 +2801,7 @@
           <a:latin typeface="+mn-lt"/>
         </a:defRPr>
       </a:lvl6pPr>
-      <a:lvl7pPr marL="2971800" indent="-228600" algn="l" rtl="0" fontAlgn="base">
+      <a:lvl7pPr marL="2971800" indent="-228600" algn="l" rtl="0" eaLnBrk="1" fontAlgn="base" hangingPunct="1">
         <a:spcBef>
           <a:spcPct val="20000"/>
         </a:spcBef>
@@ -3072,7 +2816,7 @@
           <a:latin typeface="+mn-lt"/>
         </a:defRPr>
       </a:lvl7pPr>
-      <a:lvl8pPr marL="3429000" indent="-228600" algn="l" rtl="0" fontAlgn="base">
+      <a:lvl8pPr marL="3429000" indent="-228600" algn="l" rtl="0" eaLnBrk="1" fontAlgn="base" hangingPunct="1">
         <a:spcBef>
           <a:spcPct val="20000"/>
         </a:spcBef>
@@ -3087,7 +2831,7 @@
           <a:latin typeface="+mn-lt"/>
         </a:defRPr>
       </a:lvl8pPr>
-      <a:lvl9pPr marL="3886200" indent="-228600" algn="l" rtl="0" fontAlgn="base">
+      <a:lvl9pPr marL="3886200" indent="-228600" algn="l" rtl="0" eaLnBrk="1" fontAlgn="base" hangingPunct="1">
         <a:spcBef>
           <a:spcPct val="20000"/>
         </a:spcBef>
@@ -3205,18 +2949,6 @@
 <file path=ppt/slides/slide1.xml><?xml version="1.0" encoding="utf-8"?>
 <p:sld xmlns:a="http://schemas.openxmlformats.org/drawingml/2006/main" xmlns:r="http://schemas.openxmlformats.org/officeDocument/2006/relationships" xmlns:p="http://schemas.openxmlformats.org/presentationml/2006/main">
   <p:cSld>
-    <p:bg>
-      <p:bgPr>
-        <a:blipFill dpi="0" rotWithShape="0">
-          <a:blip r:embed="rId2"/>
-          <a:srcRect/>
-          <a:stretch>
-            <a:fillRect/>
-          </a:stretch>
-        </a:blipFill>
-        <a:effectLst/>
-      </p:bgPr>
-    </p:bg>
     <p:spTree>
       <p:nvGrpSpPr>
         <p:cNvPr id="1" name=""/>
@@ -3243,8 +2975,8 @@
         </p:nvSpPr>
         <p:spPr>
           <a:xfrm>
-            <a:off x="755650" y="333375"/>
-            <a:ext cx="7772400" cy="1470025"/>
+            <a:off x="685800" y="609600"/>
+            <a:ext cx="4648200" cy="704850"/>
           </a:xfrm>
         </p:spPr>
         <p:txBody>
@@ -3252,12 +2984,35 @@
           <a:lstStyle/>
           <a:p>
             <a:r>
-              <a:rPr lang="es-ES">
-                <a:solidFill>
-                  <a:schemeClr val="tx1"/>
-                </a:solidFill>
-              </a:rPr>
-              <a:t>TITLE</a:t>
+              <a:rPr lang="en-US"/>
+              <a:t>Name of presentation</a:t>
+            </a:r>
+          </a:p>
+        </p:txBody>
+      </p:sp>
+      <p:sp>
+        <p:nvSpPr>
+          <p:cNvPr id="2051" name="Rectangle 3"/>
+          <p:cNvSpPr>
+            <a:spLocks noGrp="1" noChangeArrowheads="1"/>
+          </p:cNvSpPr>
+          <p:nvPr>
+            <p:ph type="subTitle" idx="1"/>
+          </p:nvPr>
+        </p:nvSpPr>
+        <p:spPr>
+          <a:xfrm>
+            <a:off x="685800" y="1295400"/>
+            <a:ext cx="4648200" cy="685800"/>
+          </a:xfrm>
+        </p:spPr>
+        <p:txBody>
+          <a:bodyPr/>
+          <a:lstStyle/>
+          <a:p>
+            <a:r>
+              <a:rPr lang="en-US"/>
+              <a:t>Company name</a:t>
             </a:r>
           </a:p>
         </p:txBody>
@@ -3296,7 +3051,7 @@
       </p:grpSpPr>
       <p:sp>
         <p:nvSpPr>
-          <p:cNvPr id="36866" name="Rectangle 2"/>
+          <p:cNvPr id="17410" name="Rectangle 2"/>
           <p:cNvSpPr>
             <a:spLocks noGrp="1" noChangeArrowheads="1"/>
           </p:cNvSpPr>
@@ -3304,18 +3059,31 @@
             <p:ph type="title"/>
           </p:nvPr>
         </p:nvSpPr>
-        <p:spPr/>
+        <p:spPr>
+          <a:xfrm>
+            <a:off x="533400" y="457200"/>
+            <a:ext cx="7086600" cy="792163"/>
+          </a:xfrm>
+          <a:effectLst>
+            <a:outerShdw dist="12700" algn="ctr" rotWithShape="0">
+              <a:schemeClr val="bg1"/>
+            </a:outerShdw>
+          </a:effectLst>
+        </p:spPr>
         <p:txBody>
           <a:bodyPr/>
           <a:lstStyle/>
           <a:p>
-            <a:endParaRPr lang="en-US"/>
+            <a:r>
+              <a:rPr lang="en-US"/>
+              <a:t>Slide master</a:t>
+            </a:r>
           </a:p>
         </p:txBody>
       </p:sp>
       <p:sp>
         <p:nvSpPr>
-          <p:cNvPr id="36867" name="Rectangle 3"/>
+          <p:cNvPr id="17411" name="Rectangle 3"/>
           <p:cNvSpPr>
             <a:spLocks noGrp="1" noChangeArrowheads="1"/>
           </p:cNvSpPr>
@@ -3323,12 +3091,131 @@
             <p:ph type="body" idx="1"/>
           </p:nvPr>
         </p:nvSpPr>
-        <p:spPr/>
+        <p:spPr>
+          <a:xfrm>
+            <a:off x="1104900" y="1981200"/>
+            <a:ext cx="6705600" cy="4114800"/>
+          </a:xfrm>
+        </p:spPr>
         <p:txBody>
           <a:bodyPr/>
           <a:lstStyle/>
           <a:p>
-            <a:endParaRPr lang="en-US"/>
+            <a:pPr>
+              <a:lnSpc>
+                <a:spcPct val="80000"/>
+              </a:lnSpc>
+            </a:pPr>
+            <a:r>
+              <a:rPr lang="en-US" altLang="ko-KR" sz="1600">
+                <a:solidFill>
+                  <a:srgbClr val="5F5F5F"/>
+                </a:solidFill>
+                <a:latin typeface="Verdana" pitchFamily="34" charset="0"/>
+                <a:ea typeface="굴림" charset="-127"/>
+              </a:rPr>
+              <a:t>Your Text here</a:t>
+            </a:r>
+          </a:p>
+          <a:p>
+            <a:pPr>
+              <a:lnSpc>
+                <a:spcPct val="80000"/>
+              </a:lnSpc>
+            </a:pPr>
+            <a:endParaRPr lang="en-US" altLang="ko-KR" sz="1600">
+              <a:solidFill>
+                <a:srgbClr val="5F5F5F"/>
+              </a:solidFill>
+              <a:latin typeface="Verdana" pitchFamily="34" charset="0"/>
+              <a:ea typeface="굴림" charset="-127"/>
+            </a:endParaRPr>
+          </a:p>
+          <a:p>
+            <a:pPr>
+              <a:lnSpc>
+                <a:spcPct val="80000"/>
+              </a:lnSpc>
+            </a:pPr>
+            <a:r>
+              <a:rPr lang="en-US" altLang="ko-KR" sz="1600">
+                <a:solidFill>
+                  <a:srgbClr val="5F5F5F"/>
+                </a:solidFill>
+                <a:latin typeface="Verdana" pitchFamily="34" charset="0"/>
+                <a:ea typeface="굴림" charset="-127"/>
+              </a:rPr>
+              <a:t>Lorem ipsum dolor sit amet, consectetuer adipiscing elit, sed diam nonummy nibh euismod tincidunt ut laoreet dolore magna aliquam erat volutpat. Ut wisi enim ad minim veniam, quis nostrud exerci tation ullamcorper suscipit lobortis nisl ut aliquip ex ea commodo consequat. </a:t>
+            </a:r>
+          </a:p>
+          <a:p>
+            <a:pPr>
+              <a:lnSpc>
+                <a:spcPct val="80000"/>
+              </a:lnSpc>
+            </a:pPr>
+            <a:endParaRPr lang="en-US" altLang="ko-KR" sz="1600">
+              <a:solidFill>
+                <a:srgbClr val="5F5F5F"/>
+              </a:solidFill>
+              <a:latin typeface="Verdana" pitchFamily="34" charset="0"/>
+              <a:ea typeface="굴림" charset="-127"/>
+            </a:endParaRPr>
+          </a:p>
+          <a:p>
+            <a:pPr>
+              <a:lnSpc>
+                <a:spcPct val="80000"/>
+              </a:lnSpc>
+            </a:pPr>
+            <a:r>
+              <a:rPr lang="en-US" altLang="ko-KR" sz="1600">
+                <a:solidFill>
+                  <a:srgbClr val="5F5F5F"/>
+                </a:solidFill>
+                <a:latin typeface="Verdana" pitchFamily="34" charset="0"/>
+                <a:ea typeface="굴림" charset="-127"/>
+              </a:rPr>
+              <a:t>Duis autem vel eum iriure dolor in hendrerit in vulputate velit esse molestie consequat, vel illum dolore eu feugiat nulla facilisis at vero eros et accumsan et iusto odio dignissim qui blandit praesent luptatum zzril delenit augue duis dolore te feugait nulla facilisi.</a:t>
+            </a:r>
+          </a:p>
+          <a:p>
+            <a:pPr>
+              <a:lnSpc>
+                <a:spcPct val="80000"/>
+              </a:lnSpc>
+            </a:pPr>
+            <a:endParaRPr lang="en-US" altLang="ko-KR" sz="1600">
+              <a:solidFill>
+                <a:srgbClr val="5F5F5F"/>
+              </a:solidFill>
+              <a:latin typeface="Verdana" pitchFamily="34" charset="0"/>
+              <a:ea typeface="굴림" charset="-127"/>
+            </a:endParaRPr>
+          </a:p>
+          <a:p>
+            <a:pPr>
+              <a:lnSpc>
+                <a:spcPct val="80000"/>
+              </a:lnSpc>
+            </a:pPr>
+            <a:r>
+              <a:rPr lang="en-US" altLang="ko-KR" sz="1600">
+                <a:solidFill>
+                  <a:srgbClr val="5F5F5F"/>
+                </a:solidFill>
+                <a:latin typeface="Verdana" pitchFamily="34" charset="0"/>
+                <a:ea typeface="굴림" charset="-127"/>
+              </a:rPr>
+              <a:t>Lorem ipsum dolor sit amet, consectetuer adipiscing elit, sed diam nonummy nibh euismod tincidunt ut laoreet dolore magna aliquam erat volutpat. Ut wisi enim ad minim veniam, quis nostrud exerci tation ullamcorper suscipit lobortis nisl ut aliquip ex ea commodo consequat.</a:t>
+            </a:r>
+            <a:endParaRPr lang="en-US" sz="1600">
+              <a:solidFill>
+                <a:srgbClr val="5F5F5F"/>
+              </a:solidFill>
+              <a:latin typeface="Verdana" pitchFamily="34" charset="0"/>
+              <a:ea typeface="굴림" charset="-127"/>
+            </a:endParaRPr>
           </a:p>
         </p:txBody>
       </p:sp>
@@ -3346,7 +3233,7 @@
     <p:bg>
       <p:bgPr>
         <a:blipFill dpi="0" rotWithShape="0">
-          <a:blip r:embed="rId2"/>
+          <a:blip r:embed="rId3"/>
           <a:srcRect/>
           <a:stretch>
             <a:fillRect/>
@@ -3371,7 +3258,7 @@
       </p:grpSpPr>
       <p:sp>
         <p:nvSpPr>
-          <p:cNvPr id="38914" name="Rectangle 2"/>
+          <p:cNvPr id="60418" name="Rectangle 2"/>
           <p:cNvSpPr>
             <a:spLocks noGrp="1" noChangeArrowheads="1"/>
           </p:cNvSpPr>
@@ -3379,18 +3266,26 @@
             <p:ph type="title"/>
           </p:nvPr>
         </p:nvSpPr>
-        <p:spPr/>
+        <p:spPr>
+          <a:xfrm>
+            <a:off x="1981200" y="685800"/>
+            <a:ext cx="6934200" cy="715963"/>
+          </a:xfrm>
+        </p:spPr>
         <p:txBody>
           <a:bodyPr/>
           <a:lstStyle/>
           <a:p>
-            <a:endParaRPr lang="en-US"/>
+            <a:r>
+              <a:rPr lang="en-US" sz="4000"/>
+              <a:t>Print master</a:t>
+            </a:r>
           </a:p>
         </p:txBody>
       </p:sp>
       <p:sp>
         <p:nvSpPr>
-          <p:cNvPr id="38915" name="Rectangle 3"/>
+          <p:cNvPr id="60419" name="Rectangle 3"/>
           <p:cNvSpPr>
             <a:spLocks noGrp="1" noChangeArrowheads="1"/>
           </p:cNvSpPr>
@@ -3398,300 +3293,102 @@
             <p:ph type="body" idx="1"/>
           </p:nvPr>
         </p:nvSpPr>
-        <p:spPr/>
+        <p:spPr>
+          <a:xfrm>
+            <a:off x="1981200" y="1905000"/>
+            <a:ext cx="6934200" cy="4267200"/>
+          </a:xfrm>
+        </p:spPr>
         <p:txBody>
           <a:bodyPr/>
           <a:lstStyle/>
           <a:p>
-            <a:endParaRPr lang="en-US"/>
-          </a:p>
-        </p:txBody>
-      </p:sp>
-    </p:spTree>
-  </p:cSld>
-  <p:clrMapOvr>
-    <a:masterClrMapping/>
-  </p:clrMapOvr>
-</p:sld>
-</file>
-
-<file path=ppt/slides/slide4.xml><?xml version="1.0" encoding="utf-8"?>
-<p:sld xmlns:a="http://schemas.openxmlformats.org/drawingml/2006/main" xmlns:r="http://schemas.openxmlformats.org/officeDocument/2006/relationships" xmlns:p="http://schemas.openxmlformats.org/presentationml/2006/main">
-  <p:cSld>
-    <p:bg>
-      <p:bgPr>
-        <a:blipFill dpi="0" rotWithShape="0">
-          <a:blip r:embed="rId2"/>
-          <a:srcRect/>
-          <a:stretch>
-            <a:fillRect/>
-          </a:stretch>
-        </a:blipFill>
-        <a:effectLst/>
-      </p:bgPr>
-    </p:bg>
-    <p:spTree>
-      <p:nvGrpSpPr>
-        <p:cNvPr id="1" name=""/>
-        <p:cNvGrpSpPr/>
-        <p:nvPr/>
-      </p:nvGrpSpPr>
-      <p:grpSpPr>
-        <a:xfrm>
-          <a:off x="0" y="0"/>
-          <a:ext cx="0" cy="0"/>
-          <a:chOff x="0" y="0"/>
-          <a:chExt cx="0" cy="0"/>
-        </a:xfrm>
-      </p:grpSpPr>
-      <p:sp>
-        <p:nvSpPr>
-          <p:cNvPr id="39938" name="Rectangle 2"/>
-          <p:cNvSpPr>
-            <a:spLocks noGrp="1" noChangeArrowheads="1"/>
-          </p:cNvSpPr>
-          <p:nvPr>
-            <p:ph type="title"/>
-          </p:nvPr>
-        </p:nvSpPr>
-        <p:spPr/>
-        <p:txBody>
-          <a:bodyPr/>
-          <a:lstStyle/>
-          <a:p>
-            <a:endParaRPr lang="en-US"/>
-          </a:p>
-        </p:txBody>
-      </p:sp>
-      <p:sp>
-        <p:nvSpPr>
-          <p:cNvPr id="39939" name="Rectangle 3"/>
-          <p:cNvSpPr>
-            <a:spLocks noGrp="1" noChangeArrowheads="1"/>
-          </p:cNvSpPr>
-          <p:nvPr>
-            <p:ph type="body" idx="1"/>
-          </p:nvPr>
-        </p:nvSpPr>
-        <p:spPr/>
-        <p:txBody>
-          <a:bodyPr/>
-          <a:lstStyle/>
-          <a:p>
-            <a:endParaRPr lang="en-US"/>
-          </a:p>
-        </p:txBody>
-      </p:sp>
-    </p:spTree>
-  </p:cSld>
-  <p:clrMapOvr>
-    <a:masterClrMapping/>
-  </p:clrMapOvr>
-</p:sld>
-</file>
-
-<file path=ppt/slides/slide5.xml><?xml version="1.0" encoding="utf-8"?>
-<p:sld xmlns:a="http://schemas.openxmlformats.org/drawingml/2006/main" xmlns:r="http://schemas.openxmlformats.org/officeDocument/2006/relationships" xmlns:p="http://schemas.openxmlformats.org/presentationml/2006/main">
-  <p:cSld>
-    <p:bg>
-      <p:bgPr>
-        <a:blipFill dpi="0" rotWithShape="0">
-          <a:blip r:embed="rId2"/>
-          <a:srcRect/>
-          <a:stretch>
-            <a:fillRect/>
-          </a:stretch>
-        </a:blipFill>
-        <a:effectLst/>
-      </p:bgPr>
-    </p:bg>
-    <p:spTree>
-      <p:nvGrpSpPr>
-        <p:cNvPr id="1" name=""/>
-        <p:cNvGrpSpPr/>
-        <p:nvPr/>
-      </p:nvGrpSpPr>
-      <p:grpSpPr>
-        <a:xfrm>
-          <a:off x="0" y="0"/>
-          <a:ext cx="0" cy="0"/>
-          <a:chOff x="0" y="0"/>
-          <a:chExt cx="0" cy="0"/>
-        </a:xfrm>
-      </p:grpSpPr>
-      <p:sp>
-        <p:nvSpPr>
-          <p:cNvPr id="40962" name="Rectangle 2"/>
-          <p:cNvSpPr>
-            <a:spLocks noGrp="1" noChangeArrowheads="1"/>
-          </p:cNvSpPr>
-          <p:nvPr>
-            <p:ph type="title"/>
-          </p:nvPr>
-        </p:nvSpPr>
-        <p:spPr/>
-        <p:txBody>
-          <a:bodyPr/>
-          <a:lstStyle/>
-          <a:p>
-            <a:endParaRPr lang="en-US"/>
-          </a:p>
-        </p:txBody>
-      </p:sp>
-      <p:sp>
-        <p:nvSpPr>
-          <p:cNvPr id="40963" name="Rectangle 3"/>
-          <p:cNvSpPr>
-            <a:spLocks noGrp="1" noChangeArrowheads="1"/>
-          </p:cNvSpPr>
-          <p:nvPr>
-            <p:ph type="body" idx="1"/>
-          </p:nvPr>
-        </p:nvSpPr>
-        <p:spPr/>
-        <p:txBody>
-          <a:bodyPr/>
-          <a:lstStyle/>
-          <a:p>
-            <a:endParaRPr lang="en-US"/>
-          </a:p>
-        </p:txBody>
-      </p:sp>
-    </p:spTree>
-  </p:cSld>
-  <p:clrMapOvr>
-    <a:masterClrMapping/>
-  </p:clrMapOvr>
-</p:sld>
-</file>
-
-<file path=ppt/slides/slide6.xml><?xml version="1.0" encoding="utf-8"?>
-<p:sld xmlns:a="http://schemas.openxmlformats.org/drawingml/2006/main" xmlns:r="http://schemas.openxmlformats.org/officeDocument/2006/relationships" xmlns:p="http://schemas.openxmlformats.org/presentationml/2006/main">
-  <p:cSld>
-    <p:bg>
-      <p:bgPr>
-        <a:blipFill dpi="0" rotWithShape="0">
-          <a:blip r:embed="rId2"/>
-          <a:srcRect/>
-          <a:stretch>
-            <a:fillRect/>
-          </a:stretch>
-        </a:blipFill>
-        <a:effectLst/>
-      </p:bgPr>
-    </p:bg>
-    <p:spTree>
-      <p:nvGrpSpPr>
-        <p:cNvPr id="1" name=""/>
-        <p:cNvGrpSpPr/>
-        <p:nvPr/>
-      </p:nvGrpSpPr>
-      <p:grpSpPr>
-        <a:xfrm>
-          <a:off x="0" y="0"/>
-          <a:ext cx="0" cy="0"/>
-          <a:chOff x="0" y="0"/>
-          <a:chExt cx="0" cy="0"/>
-        </a:xfrm>
-      </p:grpSpPr>
-      <p:sp>
-        <p:nvSpPr>
-          <p:cNvPr id="41986" name="Rectangle 2"/>
-          <p:cNvSpPr>
-            <a:spLocks noGrp="1" noChangeArrowheads="1"/>
-          </p:cNvSpPr>
-          <p:nvPr>
-            <p:ph type="title"/>
-          </p:nvPr>
-        </p:nvSpPr>
-        <p:spPr/>
-        <p:txBody>
-          <a:bodyPr/>
-          <a:lstStyle/>
-          <a:p>
-            <a:endParaRPr lang="en-US"/>
-          </a:p>
-        </p:txBody>
-      </p:sp>
-      <p:sp>
-        <p:nvSpPr>
-          <p:cNvPr id="41987" name="Rectangle 3"/>
-          <p:cNvSpPr>
-            <a:spLocks noGrp="1" noChangeArrowheads="1"/>
-          </p:cNvSpPr>
-          <p:nvPr>
-            <p:ph type="body" idx="1"/>
-          </p:nvPr>
-        </p:nvSpPr>
-        <p:spPr/>
-        <p:txBody>
-          <a:bodyPr/>
-          <a:lstStyle/>
-          <a:p>
-            <a:endParaRPr lang="en-US" dirty="0"/>
-          </a:p>
-        </p:txBody>
-      </p:sp>
-    </p:spTree>
-  </p:cSld>
-  <p:clrMapOvr>
-    <a:masterClrMapping/>
-  </p:clrMapOvr>
-</p:sld>
-</file>
-
-<file path=ppt/slides/slide7.xml><?xml version="1.0" encoding="utf-8"?>
-<p:sld xmlns:a="http://schemas.openxmlformats.org/drawingml/2006/main" xmlns:r="http://schemas.openxmlformats.org/officeDocument/2006/relationships" xmlns:p="http://schemas.openxmlformats.org/presentationml/2006/main">
-  <p:cSld>
-    <p:spTree>
-      <p:nvGrpSpPr>
-        <p:cNvPr id="1" name=""/>
-        <p:cNvGrpSpPr/>
-        <p:nvPr/>
-      </p:nvGrpSpPr>
-      <p:grpSpPr>
-        <a:xfrm>
-          <a:off x="0" y="0"/>
-          <a:ext cx="0" cy="0"/>
-          <a:chOff x="0" y="0"/>
-          <a:chExt cx="0" cy="0"/>
-        </a:xfrm>
-      </p:grpSpPr>
-      <p:sp>
-        <p:nvSpPr>
-          <p:cNvPr id="43010" name="Rectangle 2"/>
-          <p:cNvSpPr>
-            <a:spLocks noGrp="1" noChangeArrowheads="1"/>
-          </p:cNvSpPr>
-          <p:nvPr>
-            <p:ph type="title"/>
-          </p:nvPr>
-        </p:nvSpPr>
-        <p:spPr/>
-        <p:txBody>
-          <a:bodyPr/>
-          <a:lstStyle/>
-          <a:p>
-            <a:endParaRPr lang="en-US"/>
-          </a:p>
-        </p:txBody>
-      </p:sp>
-      <p:sp>
-        <p:nvSpPr>
-          <p:cNvPr id="43011" name="Rectangle 3"/>
-          <p:cNvSpPr>
-            <a:spLocks noGrp="1" noChangeArrowheads="1"/>
-          </p:cNvSpPr>
-          <p:nvPr>
-            <p:ph type="body" idx="1"/>
-          </p:nvPr>
-        </p:nvSpPr>
-        <p:spPr/>
-        <p:txBody>
-          <a:bodyPr/>
-          <a:lstStyle/>
-          <a:p>
-            <a:endParaRPr lang="en-US"/>
+            <a:pPr>
+              <a:lnSpc>
+                <a:spcPct val="80000"/>
+              </a:lnSpc>
+            </a:pPr>
+            <a:r>
+              <a:rPr lang="en-US" altLang="ko-KR" sz="2000">
+                <a:solidFill>
+                  <a:srgbClr val="5F5F5F"/>
+                </a:solidFill>
+                <a:latin typeface="Verdana" pitchFamily="34" charset="0"/>
+                <a:ea typeface="굴림" charset="-127"/>
+              </a:rPr>
+              <a:t>Your Text here</a:t>
+            </a:r>
+          </a:p>
+          <a:p>
+            <a:pPr>
+              <a:lnSpc>
+                <a:spcPct val="80000"/>
+              </a:lnSpc>
+            </a:pPr>
+            <a:endParaRPr lang="en-US" altLang="ko-KR" sz="2000">
+              <a:solidFill>
+                <a:srgbClr val="5F5F5F"/>
+              </a:solidFill>
+              <a:latin typeface="Verdana" pitchFamily="34" charset="0"/>
+              <a:ea typeface="굴림" charset="-127"/>
+            </a:endParaRPr>
+          </a:p>
+          <a:p>
+            <a:pPr>
+              <a:lnSpc>
+                <a:spcPct val="80000"/>
+              </a:lnSpc>
+            </a:pPr>
+            <a:r>
+              <a:rPr lang="en-US" altLang="ko-KR" sz="2000">
+                <a:solidFill>
+                  <a:srgbClr val="5F5F5F"/>
+                </a:solidFill>
+                <a:latin typeface="Verdana" pitchFamily="34" charset="0"/>
+                <a:ea typeface="굴림" charset="-127"/>
+              </a:rPr>
+              <a:t>Lorem ipsum dolor sit amet, consectetuer adipiscing elit, sed diam nonummy nibh euismod tincidunt ut laoreet dolore magna aliquam erat volutpat. Ut wisi enim ad minim veniam, quis nostrud exerci tation ullamcorper suscipit lobortis nisl ut aliquip ex ea commodo consequat. </a:t>
+            </a:r>
+          </a:p>
+          <a:p>
+            <a:pPr>
+              <a:lnSpc>
+                <a:spcPct val="80000"/>
+              </a:lnSpc>
+            </a:pPr>
+            <a:endParaRPr lang="en-US" altLang="ko-KR" sz="2000">
+              <a:solidFill>
+                <a:srgbClr val="5F5F5F"/>
+              </a:solidFill>
+              <a:latin typeface="Verdana" pitchFamily="34" charset="0"/>
+              <a:ea typeface="굴림" charset="-127"/>
+            </a:endParaRPr>
+          </a:p>
+          <a:p>
+            <a:pPr>
+              <a:lnSpc>
+                <a:spcPct val="80000"/>
+              </a:lnSpc>
+            </a:pPr>
+            <a:r>
+              <a:rPr lang="en-US" altLang="ko-KR" sz="2000">
+                <a:solidFill>
+                  <a:srgbClr val="5F5F5F"/>
+                </a:solidFill>
+                <a:latin typeface="Verdana" pitchFamily="34" charset="0"/>
+                <a:ea typeface="굴림" charset="-127"/>
+              </a:rPr>
+              <a:t>Duis autem vel eum iriure dolor in hendrerit in vulputate velit esse molestie consequat, vel illum dolore eu feugiat nulla facilisis at vero eros et accumsan et iusto odio dignissim qui blandit praesent luptatum zzril delenit augue duis dolore te feugait nulla facilisi.</a:t>
+            </a:r>
+            <a:endParaRPr lang="en-US" sz="2000"/>
+          </a:p>
+          <a:p>
+            <a:pPr>
+              <a:lnSpc>
+                <a:spcPct val="80000"/>
+              </a:lnSpc>
+            </a:pPr>
+            <a:endParaRPr lang="en-US" sz="2000"/>
           </a:p>
         </p:txBody>
       </p:sp>
@@ -3704,54 +3401,54 @@
 </file>
 
 <file path=ppt/theme/theme1.xml><?xml version="1.0" encoding="utf-8"?>
-<a:theme xmlns:a="http://schemas.openxmlformats.org/drawingml/2006/main" name="Diseño predeterminado">
+<a:theme xmlns:a="http://schemas.openxmlformats.org/drawingml/2006/main" name="powerpoint-template">
   <a:themeElements>
-    <a:clrScheme name="Diseño predeterminado 1">
+    <a:clrScheme name="powerpoint-template 13">
       <a:dk1>
-        <a:srgbClr val="000000"/>
+        <a:srgbClr val="4D4D4D"/>
       </a:dk1>
       <a:lt1>
         <a:srgbClr val="FFFFFF"/>
       </a:lt1>
       <a:dk2>
-        <a:srgbClr val="000000"/>
+        <a:srgbClr val="4D4D4D"/>
       </a:dk2>
       <a:lt2>
-        <a:srgbClr val="808080"/>
+        <a:srgbClr val="F4EE00"/>
       </a:lt2>
       <a:accent1>
-        <a:srgbClr val="BBE0E3"/>
+        <a:srgbClr val="6BC4FF"/>
       </a:accent1>
       <a:accent2>
-        <a:srgbClr val="333399"/>
+        <a:srgbClr val="DDB72C"/>
       </a:accent2>
       <a:accent3>
         <a:srgbClr val="FFFFFF"/>
       </a:accent3>
       <a:accent4>
-        <a:srgbClr val="000000"/>
+        <a:srgbClr val="404040"/>
       </a:accent4>
       <a:accent5>
-        <a:srgbClr val="DAEDEF"/>
+        <a:srgbClr val="BADEFF"/>
       </a:accent5>
       <a:accent6>
-        <a:srgbClr val="2D2D8A"/>
+        <a:srgbClr val="C8A627"/>
       </a:accent6>
       <a:hlink>
-        <a:srgbClr val="009999"/>
+        <a:srgbClr val="0091FF"/>
       </a:hlink>
       <a:folHlink>
-        <a:srgbClr val="99CC00"/>
+        <a:srgbClr val="DDDDDD"/>
       </a:folHlink>
     </a:clrScheme>
-    <a:fontScheme name="Diseño predeterminado">
+    <a:fontScheme name="powerpoint-template">
       <a:majorFont>
-        <a:latin typeface="Arial"/>
+        <a:latin typeface="Microsoft Sans Serif"/>
         <a:ea typeface=""/>
         <a:cs typeface=""/>
       </a:majorFont>
       <a:minorFont>
-        <a:latin typeface="Arial"/>
+        <a:latin typeface="Microsoft Sans Serif"/>
         <a:ea typeface=""/>
         <a:cs typeface=""/>
       </a:minorFont>
@@ -3923,500 +3620,973 @@
       </a:bgFillStyleLst>
     </a:fmtScheme>
   </a:themeElements>
-  <a:objectDefaults/>
+  <a:objectDefaults>
+    <a:spDef>
+      <a:spPr bwMode="auto">
+        <a:xfrm>
+          <a:off x="0" y="0"/>
+          <a:ext cx="1" cy="1"/>
+        </a:xfrm>
+        <a:custGeom>
+          <a:avLst/>
+          <a:gdLst/>
+          <a:ahLst/>
+          <a:cxnLst/>
+          <a:rect l="0" t="0" r="0" b="0"/>
+          <a:pathLst/>
+        </a:custGeom>
+        <a:gradFill rotWithShape="1">
+          <a:gsLst>
+            <a:gs pos="0">
+              <a:schemeClr val="bg2">
+                <a:gamma/>
+                <a:tint val="26667"/>
+                <a:invGamma/>
+              </a:schemeClr>
+            </a:gs>
+            <a:gs pos="100000">
+              <a:schemeClr val="bg2">
+                <a:alpha val="14999"/>
+              </a:schemeClr>
+            </a:gs>
+          </a:gsLst>
+          <a:lin ang="5400000" scaled="1"/>
+        </a:gradFill>
+        <a:ln w="9525" cap="flat" cmpd="sng" algn="ctr">
+          <a:noFill/>
+          <a:prstDash val="solid"/>
+          <a:round/>
+          <a:headEnd type="none" w="med" len="med"/>
+          <a:tailEnd type="none" w="med" len="med"/>
+        </a:ln>
+        <a:effectLst/>
+      </a:spPr>
+      <a:bodyPr vert="horz" wrap="none" lIns="91440" tIns="45720" rIns="91440" bIns="45720" numCol="1" anchor="ctr" anchorCtr="0" compatLnSpc="1">
+        <a:prstTxWarp prst="textNoShape">
+          <a:avLst/>
+        </a:prstTxWarp>
+      </a:bodyPr>
+      <a:lstStyle>
+        <a:defPPr marL="0" marR="0" indent="0" algn="ctr" defTabSz="914400" rtl="0" eaLnBrk="1" fontAlgn="base" latinLnBrk="0" hangingPunct="1">
+          <a:lnSpc>
+            <a:spcPct val="100000"/>
+          </a:lnSpc>
+          <a:spcBef>
+            <a:spcPct val="0"/>
+          </a:spcBef>
+          <a:spcAft>
+            <a:spcPct val="0"/>
+          </a:spcAft>
+          <a:buClrTx/>
+          <a:buSzTx/>
+          <a:buFontTx/>
+          <a:buNone/>
+          <a:tabLst/>
+          <a:defRPr kumimoji="0" lang="en-US" sz="2400" b="0" i="0" u="none" strike="noStrike" cap="none" normalizeH="0" baseline="-25000" smtClean="0">
+            <a:ln>
+              <a:noFill/>
+            </a:ln>
+            <a:solidFill>
+              <a:schemeClr val="tx1"/>
+            </a:solidFill>
+            <a:effectLst/>
+            <a:latin typeface="Arial" charset="0"/>
+          </a:defRPr>
+        </a:defPPr>
+      </a:lstStyle>
+    </a:spDef>
+    <a:lnDef>
+      <a:spPr bwMode="auto">
+        <a:xfrm>
+          <a:off x="0" y="0"/>
+          <a:ext cx="1" cy="1"/>
+        </a:xfrm>
+        <a:custGeom>
+          <a:avLst/>
+          <a:gdLst/>
+          <a:ahLst/>
+          <a:cxnLst/>
+          <a:rect l="0" t="0" r="0" b="0"/>
+          <a:pathLst/>
+        </a:custGeom>
+        <a:gradFill rotWithShape="1">
+          <a:gsLst>
+            <a:gs pos="0">
+              <a:schemeClr val="bg2">
+                <a:gamma/>
+                <a:tint val="26667"/>
+                <a:invGamma/>
+              </a:schemeClr>
+            </a:gs>
+            <a:gs pos="100000">
+              <a:schemeClr val="bg2">
+                <a:alpha val="14999"/>
+              </a:schemeClr>
+            </a:gs>
+          </a:gsLst>
+          <a:lin ang="5400000" scaled="1"/>
+        </a:gradFill>
+        <a:ln w="9525" cap="flat" cmpd="sng" algn="ctr">
+          <a:noFill/>
+          <a:prstDash val="solid"/>
+          <a:round/>
+          <a:headEnd type="none" w="med" len="med"/>
+          <a:tailEnd type="none" w="med" len="med"/>
+        </a:ln>
+        <a:effectLst/>
+      </a:spPr>
+      <a:bodyPr vert="horz" wrap="none" lIns="91440" tIns="45720" rIns="91440" bIns="45720" numCol="1" anchor="ctr" anchorCtr="0" compatLnSpc="1">
+        <a:prstTxWarp prst="textNoShape">
+          <a:avLst/>
+        </a:prstTxWarp>
+      </a:bodyPr>
+      <a:lstStyle>
+        <a:defPPr marL="0" marR="0" indent="0" algn="ctr" defTabSz="914400" rtl="0" eaLnBrk="1" fontAlgn="base" latinLnBrk="0" hangingPunct="1">
+          <a:lnSpc>
+            <a:spcPct val="100000"/>
+          </a:lnSpc>
+          <a:spcBef>
+            <a:spcPct val="0"/>
+          </a:spcBef>
+          <a:spcAft>
+            <a:spcPct val="0"/>
+          </a:spcAft>
+          <a:buClrTx/>
+          <a:buSzTx/>
+          <a:buFontTx/>
+          <a:buNone/>
+          <a:tabLst/>
+          <a:defRPr kumimoji="0" lang="en-US" sz="2400" b="0" i="0" u="none" strike="noStrike" cap="none" normalizeH="0" baseline="-25000" smtClean="0">
+            <a:ln>
+              <a:noFill/>
+            </a:ln>
+            <a:solidFill>
+              <a:schemeClr val="tx1"/>
+            </a:solidFill>
+            <a:effectLst/>
+            <a:latin typeface="Arial" charset="0"/>
+          </a:defRPr>
+        </a:defPPr>
+      </a:lstStyle>
+    </a:lnDef>
+  </a:objectDefaults>
   <a:extraClrSchemeLst>
     <a:extraClrScheme>
-      <a:clrScheme name="Diseño predeterminado 1">
+      <a:clrScheme name="powerpoint-template 1">
         <a:dk1>
-          <a:srgbClr val="000000"/>
+          <a:srgbClr val="4D4D4D"/>
         </a:dk1>
         <a:lt1>
           <a:srgbClr val="FFFFFF"/>
         </a:lt1>
         <a:dk2>
-          <a:srgbClr val="000000"/>
+          <a:srgbClr val="4D4D4D"/>
         </a:dk2>
         <a:lt2>
-          <a:srgbClr val="808080"/>
+          <a:srgbClr val="800000"/>
         </a:lt2>
         <a:accent1>
-          <a:srgbClr val="BBE0E3"/>
+          <a:srgbClr val="FF9933"/>
         </a:accent1>
         <a:accent2>
-          <a:srgbClr val="333399"/>
+          <a:srgbClr val="009900"/>
         </a:accent2>
         <a:accent3>
           <a:srgbClr val="FFFFFF"/>
         </a:accent3>
         <a:accent4>
-          <a:srgbClr val="000000"/>
+          <a:srgbClr val="404040"/>
         </a:accent4>
         <a:accent5>
-          <a:srgbClr val="DAEDEF"/>
+          <a:srgbClr val="FFCAAD"/>
         </a:accent5>
         <a:accent6>
-          <a:srgbClr val="2D2D8A"/>
+          <a:srgbClr val="008A00"/>
         </a:accent6>
         <a:hlink>
-          <a:srgbClr val="009999"/>
+          <a:srgbClr val="3366FF"/>
         </a:hlink>
         <a:folHlink>
-          <a:srgbClr val="99CC00"/>
+          <a:srgbClr val="DDDDDD"/>
         </a:folHlink>
       </a:clrScheme>
       <a:clrMap bg1="lt1" tx1="dk1" bg2="lt2" tx2="dk2" accent1="accent1" accent2="accent2" accent3="accent3" accent4="accent4" accent5="accent5" accent6="accent6" hlink="hlink" folHlink="folHlink"/>
     </a:extraClrScheme>
     <a:extraClrScheme>
-      <a:clrScheme name="Diseño predeterminado 2">
+      <a:clrScheme name="powerpoint-template 2">
         <a:dk1>
-          <a:srgbClr val="000000"/>
+          <a:srgbClr val="4D4D4D"/>
         </a:dk1>
         <a:lt1>
           <a:srgbClr val="FFFFFF"/>
         </a:lt1>
         <a:dk2>
-          <a:srgbClr val="000000"/>
+          <a:srgbClr val="4D4D4D"/>
         </a:dk2>
         <a:lt2>
-          <a:srgbClr val="969696"/>
+          <a:srgbClr val="B92B2B"/>
         </a:lt2>
         <a:accent1>
-          <a:srgbClr val="FBDF53"/>
+          <a:srgbClr val="0095B7"/>
         </a:accent1>
         <a:accent2>
-          <a:srgbClr val="FF9966"/>
+          <a:srgbClr val="FAAC8F"/>
         </a:accent2>
         <a:accent3>
           <a:srgbClr val="FFFFFF"/>
         </a:accent3>
         <a:accent4>
-          <a:srgbClr val="000000"/>
+          <a:srgbClr val="404040"/>
         </a:accent4>
         <a:accent5>
-          <a:srgbClr val="FDECB3"/>
+          <a:srgbClr val="AAC8D8"/>
         </a:accent5>
         <a:accent6>
-          <a:srgbClr val="E78A5C"/>
+          <a:srgbClr val="E39B81"/>
         </a:accent6>
         <a:hlink>
-          <a:srgbClr val="CC3300"/>
+          <a:srgbClr val="2D3289"/>
         </a:hlink>
         <a:folHlink>
-          <a:srgbClr val="996600"/>
+          <a:srgbClr val="DDDDDD"/>
         </a:folHlink>
       </a:clrScheme>
       <a:clrMap bg1="lt1" tx1="dk1" bg2="lt2" tx2="dk2" accent1="accent1" accent2="accent2" accent3="accent3" accent4="accent4" accent5="accent5" accent6="accent6" hlink="hlink" folHlink="folHlink"/>
     </a:extraClrScheme>
     <a:extraClrScheme>
-      <a:clrScheme name="Diseño predeterminado 3">
+      <a:clrScheme name="powerpoint-template 3">
         <a:dk1>
-          <a:srgbClr val="000000"/>
+          <a:srgbClr val="4D4D4D"/>
         </a:dk1>
         <a:lt1>
           <a:srgbClr val="FFFFFF"/>
         </a:lt1>
         <a:dk2>
-          <a:srgbClr val="000000"/>
+          <a:srgbClr val="4D4D4D"/>
         </a:dk2>
         <a:lt2>
-          <a:srgbClr val="808080"/>
+          <a:srgbClr val="0C209B"/>
         </a:lt2>
         <a:accent1>
-          <a:srgbClr val="99CCFF"/>
+          <a:srgbClr val="2167BF"/>
         </a:accent1>
         <a:accent2>
-          <a:srgbClr val="CCCCFF"/>
+          <a:srgbClr val="C60C0D"/>
         </a:accent2>
         <a:accent3>
           <a:srgbClr val="FFFFFF"/>
         </a:accent3>
         <a:accent4>
-          <a:srgbClr val="000000"/>
+          <a:srgbClr val="404040"/>
         </a:accent4>
         <a:accent5>
-          <a:srgbClr val="CAE2FF"/>
+          <a:srgbClr val="ABB8DC"/>
         </a:accent5>
         <a:accent6>
-          <a:srgbClr val="B9B9E7"/>
+          <a:srgbClr val="B30A0B"/>
         </a:accent6>
         <a:hlink>
-          <a:srgbClr val="3333CC"/>
+          <a:srgbClr val="4793C7"/>
         </a:hlink>
         <a:folHlink>
-          <a:srgbClr val="AF67FF"/>
+          <a:srgbClr val="DDDDDD"/>
         </a:folHlink>
       </a:clrScheme>
       <a:clrMap bg1="lt1" tx1="dk1" bg2="lt2" tx2="dk2" accent1="accent1" accent2="accent2" accent3="accent3" accent4="accent4" accent5="accent5" accent6="accent6" hlink="hlink" folHlink="folHlink"/>
     </a:extraClrScheme>
     <a:extraClrScheme>
-      <a:clrScheme name="Diseño predeterminado 4">
+      <a:clrScheme name="powerpoint-template 4">
         <a:dk1>
-          <a:srgbClr val="000000"/>
+          <a:srgbClr val="4D4D4D"/>
         </a:dk1>
         <a:lt1>
-          <a:srgbClr val="DEF6F1"/>
+          <a:srgbClr val="FFFFFF"/>
         </a:lt1>
         <a:dk2>
-          <a:srgbClr val="000000"/>
+          <a:srgbClr val="4D4D4D"/>
         </a:dk2>
         <a:lt2>
-          <a:srgbClr val="969696"/>
+          <a:srgbClr val="0C209B"/>
         </a:lt2>
         <a:accent1>
-          <a:srgbClr val="FFFFFF"/>
+          <a:srgbClr val="2167BF"/>
         </a:accent1>
         <a:accent2>
-          <a:srgbClr val="8DC6FF"/>
+          <a:srgbClr val="C60C0D"/>
         </a:accent2>
         <a:accent3>
-          <a:srgbClr val="ECFAF7"/>
+          <a:srgbClr val="FFFFFF"/>
         </a:accent3>
         <a:accent4>
-          <a:srgbClr val="000000"/>
+          <a:srgbClr val="404040"/>
         </a:accent4>
         <a:accent5>
-          <a:srgbClr val="FFFFFF"/>
+          <a:srgbClr val="ABB8DC"/>
         </a:accent5>
         <a:accent6>
-          <a:srgbClr val="7FB3E7"/>
+          <a:srgbClr val="B30A0B"/>
         </a:accent6>
         <a:hlink>
-          <a:srgbClr val="0066CC"/>
+          <a:srgbClr val="1FAAEF"/>
         </a:hlink>
         <a:folHlink>
-          <a:srgbClr val="00A800"/>
+          <a:srgbClr val="DDDDDD"/>
         </a:folHlink>
       </a:clrScheme>
       <a:clrMap bg1="lt1" tx1="dk1" bg2="lt2" tx2="dk2" accent1="accent1" accent2="accent2" accent3="accent3" accent4="accent4" accent5="accent5" accent6="accent6" hlink="hlink" folHlink="folHlink"/>
     </a:extraClrScheme>
     <a:extraClrScheme>
-      <a:clrScheme name="Diseño predeterminado 5">
+      <a:clrScheme name="powerpoint-template 5">
         <a:dk1>
-          <a:srgbClr val="000000"/>
+          <a:srgbClr val="4D4D4D"/>
         </a:dk1>
         <a:lt1>
-          <a:srgbClr val="FFFFD9"/>
+          <a:srgbClr val="FFFFFF"/>
         </a:lt1>
         <a:dk2>
-          <a:srgbClr val="000000"/>
+          <a:srgbClr val="4D4D4D"/>
         </a:dk2>
         <a:lt2>
-          <a:srgbClr val="777777"/>
+          <a:srgbClr val="1376BA"/>
         </a:lt2>
         <a:accent1>
-          <a:srgbClr val="FFFFF7"/>
+          <a:srgbClr val="2091CB"/>
         </a:accent1>
         <a:accent2>
-          <a:srgbClr val="33CCCC"/>
+          <a:srgbClr val="2D76E4"/>
         </a:accent2>
         <a:accent3>
-          <a:srgbClr val="FFFFE9"/>
+          <a:srgbClr val="FFFFFF"/>
         </a:accent3>
         <a:accent4>
-          <a:srgbClr val="000000"/>
+          <a:srgbClr val="404040"/>
         </a:accent4>
         <a:accent5>
-          <a:srgbClr val="FFFFFA"/>
+          <a:srgbClr val="ABC7E2"/>
         </a:accent5>
         <a:accent6>
-          <a:srgbClr val="2DB9B9"/>
+          <a:srgbClr val="286ACF"/>
         </a:accent6>
         <a:hlink>
-          <a:srgbClr val="FF5050"/>
+          <a:srgbClr val="3BAEDB"/>
         </a:hlink>
         <a:folHlink>
-          <a:srgbClr val="FF9900"/>
+          <a:srgbClr val="DDDDDD"/>
         </a:folHlink>
       </a:clrScheme>
       <a:clrMap bg1="lt1" tx1="dk1" bg2="lt2" tx2="dk2" accent1="accent1" accent2="accent2" accent3="accent3" accent4="accent4" accent5="accent5" accent6="accent6" hlink="hlink" folHlink="folHlink"/>
     </a:extraClrScheme>
     <a:extraClrScheme>
-      <a:clrScheme name="Diseño predeterminado 6">
+      <a:clrScheme name="powerpoint-template 6">
         <a:dk1>
-          <a:srgbClr val="005A58"/>
+          <a:srgbClr val="4D4D4D"/>
         </a:dk1>
         <a:lt1>
           <a:srgbClr val="FFFFFF"/>
         </a:lt1>
         <a:dk2>
-          <a:srgbClr val="008080"/>
+          <a:srgbClr val="4D4D4D"/>
         </a:dk2>
         <a:lt2>
-          <a:srgbClr val="FFFF99"/>
+          <a:srgbClr val="1376BA"/>
         </a:lt2>
         <a:accent1>
-          <a:srgbClr val="006462"/>
+          <a:srgbClr val="2091CB"/>
         </a:accent1>
         <a:accent2>
-          <a:srgbClr val="6D6FC7"/>
+          <a:srgbClr val="2D76E4"/>
         </a:accent2>
         <a:accent3>
-          <a:srgbClr val="AAC0C0"/>
+          <a:srgbClr val="FFFFFF"/>
         </a:accent3>
         <a:accent4>
-          <a:srgbClr val="DADADA"/>
+          <a:srgbClr val="404040"/>
         </a:accent4>
         <a:accent5>
-          <a:srgbClr val="AAB8B7"/>
+          <a:srgbClr val="ABC7E2"/>
         </a:accent5>
         <a:accent6>
-          <a:srgbClr val="6264B4"/>
+          <a:srgbClr val="286ACF"/>
         </a:accent6>
         <a:hlink>
-          <a:srgbClr val="00FFFF"/>
+          <a:srgbClr val="992E28"/>
         </a:hlink>
         <a:folHlink>
-          <a:srgbClr val="00FF00"/>
+          <a:srgbClr val="DDDDDD"/>
         </a:folHlink>
       </a:clrScheme>
-      <a:clrMap bg1="dk2" tx1="lt1" bg2="dk1" tx2="lt2" accent1="accent1" accent2="accent2" accent3="accent3" accent4="accent4" accent5="accent5" accent6="accent6" hlink="hlink" folHlink="folHlink"/>
+      <a:clrMap bg1="lt1" tx1="dk1" bg2="lt2" tx2="dk2" accent1="accent1" accent2="accent2" accent3="accent3" accent4="accent4" accent5="accent5" accent6="accent6" hlink="hlink" folHlink="folHlink"/>
     </a:extraClrScheme>
     <a:extraClrScheme>
-      <a:clrScheme name="Diseño predeterminado 7">
+      <a:clrScheme name="powerpoint-template 7">
         <a:dk1>
-          <a:srgbClr val="5C1F00"/>
+          <a:srgbClr val="4D4D4D"/>
         </a:dk1>
         <a:lt1>
           <a:srgbClr val="FFFFFF"/>
         </a:lt1>
         <a:dk2>
-          <a:srgbClr val="800000"/>
+          <a:srgbClr val="4D4D4D"/>
         </a:dk2>
         <a:lt2>
-          <a:srgbClr val="DFD293"/>
+          <a:srgbClr val="1376BA"/>
         </a:lt2>
         <a:accent1>
-          <a:srgbClr val="CC3300"/>
+          <a:srgbClr val="2091CB"/>
         </a:accent1>
         <a:accent2>
-          <a:srgbClr val="BE7960"/>
+          <a:srgbClr val="2D76E4"/>
         </a:accent2>
         <a:accent3>
-          <a:srgbClr val="C0AAAA"/>
+          <a:srgbClr val="FFFFFF"/>
         </a:accent3>
         <a:accent4>
-          <a:srgbClr val="DADADA"/>
+          <a:srgbClr val="404040"/>
         </a:accent4>
         <a:accent5>
-          <a:srgbClr val="E2ADAA"/>
+          <a:srgbClr val="ABC7E2"/>
         </a:accent5>
         <a:accent6>
-          <a:srgbClr val="AC6D56"/>
+          <a:srgbClr val="286ACF"/>
         </a:accent6>
         <a:hlink>
-          <a:srgbClr val="FFFF99"/>
+          <a:srgbClr val="B96203"/>
         </a:hlink>
         <a:folHlink>
-          <a:srgbClr val="D3A219"/>
+          <a:srgbClr val="DDDDDD"/>
         </a:folHlink>
       </a:clrScheme>
-      <a:clrMap bg1="dk2" tx1="lt1" bg2="dk1" tx2="lt2" accent1="accent1" accent2="accent2" accent3="accent3" accent4="accent4" accent5="accent5" accent6="accent6" hlink="hlink" folHlink="folHlink"/>
+      <a:clrMap bg1="lt1" tx1="dk1" bg2="lt2" tx2="dk2" accent1="accent1" accent2="accent2" accent3="accent3" accent4="accent4" accent5="accent5" accent6="accent6" hlink="hlink" folHlink="folHlink"/>
     </a:extraClrScheme>
     <a:extraClrScheme>
-      <a:clrScheme name="Diseño predeterminado 8">
+      <a:clrScheme name="powerpoint-template 8">
         <a:dk1>
-          <a:srgbClr val="003366"/>
+          <a:srgbClr val="4D4D4D"/>
         </a:dk1>
         <a:lt1>
           <a:srgbClr val="FFFFFF"/>
         </a:lt1>
         <a:dk2>
-          <a:srgbClr val="000099"/>
+          <a:srgbClr val="4D4D4D"/>
         </a:dk2>
         <a:lt2>
-          <a:srgbClr val="CCFFFF"/>
+          <a:srgbClr val="1376BA"/>
         </a:lt2>
         <a:accent1>
-          <a:srgbClr val="3366CC"/>
+          <a:srgbClr val="2091CB"/>
         </a:accent1>
         <a:accent2>
-          <a:srgbClr val="00B000"/>
+          <a:srgbClr val="2D76E4"/>
         </a:accent2>
         <a:accent3>
-          <a:srgbClr val="AAAACA"/>
+          <a:srgbClr val="FFFFFF"/>
         </a:accent3>
         <a:accent4>
-          <a:srgbClr val="DADADA"/>
+          <a:srgbClr val="404040"/>
         </a:accent4>
         <a:accent5>
-          <a:srgbClr val="ADB8E2"/>
+          <a:srgbClr val="ABC7E2"/>
         </a:accent5>
         <a:accent6>
-          <a:srgbClr val="009F00"/>
+          <a:srgbClr val="286ACF"/>
         </a:accent6>
         <a:hlink>
-          <a:srgbClr val="66CCFF"/>
+          <a:srgbClr val="813C8C"/>
         </a:hlink>
         <a:folHlink>
-          <a:srgbClr val="FFE701"/>
+          <a:srgbClr val="DDDDDD"/>
         </a:folHlink>
       </a:clrScheme>
-      <a:clrMap bg1="dk2" tx1="lt1" bg2="dk1" tx2="lt2" accent1="accent1" accent2="accent2" accent3="accent3" accent4="accent4" accent5="accent5" accent6="accent6" hlink="hlink" folHlink="folHlink"/>
+      <a:clrMap bg1="lt1" tx1="dk1" bg2="lt2" tx2="dk2" accent1="accent1" accent2="accent2" accent3="accent3" accent4="accent4" accent5="accent5" accent6="accent6" hlink="hlink" folHlink="folHlink"/>
     </a:extraClrScheme>
     <a:extraClrScheme>
-      <a:clrScheme name="Diseño predeterminado 9">
+      <a:clrScheme name="powerpoint-template 9">
         <a:dk1>
-          <a:srgbClr val="336699"/>
+          <a:srgbClr val="4D4D4D"/>
         </a:dk1>
         <a:lt1>
           <a:srgbClr val="FFFFFF"/>
         </a:lt1>
         <a:dk2>
-          <a:srgbClr val="000000"/>
+          <a:srgbClr val="4D4D4D"/>
         </a:dk2>
         <a:lt2>
-          <a:srgbClr val="E3EBF1"/>
+          <a:srgbClr val="6BC4FF"/>
         </a:lt2>
         <a:accent1>
-          <a:srgbClr val="003399"/>
+          <a:srgbClr val="F0C91D"/>
         </a:accent1>
         <a:accent2>
-          <a:srgbClr val="468A4B"/>
+          <a:srgbClr val="4CD134"/>
         </a:accent2>
         <a:accent3>
-          <a:srgbClr val="AAAAAA"/>
+          <a:srgbClr val="FFFFFF"/>
         </a:accent3>
         <a:accent4>
-          <a:srgbClr val="DADADA"/>
+          <a:srgbClr val="404040"/>
         </a:accent4>
         <a:accent5>
-          <a:srgbClr val="AAADCA"/>
+          <a:srgbClr val="F6E1AB"/>
         </a:accent5>
         <a:accent6>
-          <a:srgbClr val="3F7D43"/>
+          <a:srgbClr val="44BD2E"/>
         </a:accent6>
         <a:hlink>
-          <a:srgbClr val="66CCFF"/>
+          <a:srgbClr val="0091FF"/>
         </a:hlink>
         <a:folHlink>
-          <a:srgbClr val="F0E500"/>
+          <a:srgbClr val="DDDDDD"/>
         </a:folHlink>
       </a:clrScheme>
-      <a:clrMap bg1="dk2" tx1="lt1" bg2="dk1" tx2="lt2" accent1="accent1" accent2="accent2" accent3="accent3" accent4="accent4" accent5="accent5" accent6="accent6" hlink="hlink" folHlink="folHlink"/>
+      <a:clrMap bg1="lt1" tx1="dk1" bg2="lt2" tx2="dk2" accent1="accent1" accent2="accent2" accent3="accent3" accent4="accent4" accent5="accent5" accent6="accent6" hlink="hlink" folHlink="folHlink"/>
     </a:extraClrScheme>
     <a:extraClrScheme>
-      <a:clrScheme name="Diseño predeterminado 10">
+      <a:clrScheme name="powerpoint-template 10">
         <a:dk1>
-          <a:srgbClr val="777777"/>
+          <a:srgbClr val="4D4D4D"/>
         </a:dk1>
         <a:lt1>
           <a:srgbClr val="FFFFFF"/>
         </a:lt1>
         <a:dk2>
-          <a:srgbClr val="686B5D"/>
+          <a:srgbClr val="4D4D4D"/>
         </a:dk2>
         <a:lt2>
-          <a:srgbClr val="D1D1CB"/>
+          <a:srgbClr val="6BC4FF"/>
         </a:lt2>
         <a:accent1>
-          <a:srgbClr val="909082"/>
+          <a:srgbClr val="F0C91D"/>
         </a:accent1>
         <a:accent2>
-          <a:srgbClr val="809EA8"/>
+          <a:srgbClr val="DDCF15"/>
         </a:accent2>
         <a:accent3>
-          <a:srgbClr val="B9BAB6"/>
+          <a:srgbClr val="FFFFFF"/>
         </a:accent3>
         <a:accent4>
-          <a:srgbClr val="DADADA"/>
+          <a:srgbClr val="404040"/>
         </a:accent4>
         <a:accent5>
-          <a:srgbClr val="C6C6C1"/>
+          <a:srgbClr val="F6E1AB"/>
         </a:accent5>
         <a:accent6>
-          <a:srgbClr val="738F98"/>
+          <a:srgbClr val="C8BB12"/>
         </a:accent6>
         <a:hlink>
-          <a:srgbClr val="FFCC66"/>
+          <a:srgbClr val="0091FF"/>
         </a:hlink>
         <a:folHlink>
-          <a:srgbClr val="E9DCB9"/>
+          <a:srgbClr val="DDDDDD"/>
         </a:folHlink>
       </a:clrScheme>
-      <a:clrMap bg1="dk2" tx1="lt1" bg2="dk1" tx2="lt2" accent1="accent1" accent2="accent2" accent3="accent3" accent4="accent4" accent5="accent5" accent6="accent6" hlink="hlink" folHlink="folHlink"/>
+      <a:clrMap bg1="lt1" tx1="dk1" bg2="lt2" tx2="dk2" accent1="accent1" accent2="accent2" accent3="accent3" accent4="accent4" accent5="accent5" accent6="accent6" hlink="hlink" folHlink="folHlink"/>
     </a:extraClrScheme>
     <a:extraClrScheme>
-      <a:clrScheme name="Diseño predeterminado 11">
+      <a:clrScheme name="powerpoint-template 11">
         <a:dk1>
-          <a:srgbClr val="3E3E5C"/>
+          <a:srgbClr val="4D4D4D"/>
         </a:dk1>
         <a:lt1>
           <a:srgbClr val="FFFFFF"/>
         </a:lt1>
         <a:dk2>
-          <a:srgbClr val="666699"/>
+          <a:srgbClr val="4D4D4D"/>
         </a:dk2>
         <a:lt2>
-          <a:srgbClr val="FFFFFF"/>
+          <a:srgbClr val="C9CF15"/>
         </a:lt2>
         <a:accent1>
-          <a:srgbClr val="60597B"/>
+          <a:srgbClr val="6BC4FF"/>
         </a:accent1>
         <a:accent2>
-          <a:srgbClr val="6666FF"/>
+          <a:srgbClr val="DDCF15"/>
         </a:accent2>
         <a:accent3>
-          <a:srgbClr val="B8B8CA"/>
+          <a:srgbClr val="FFFFFF"/>
         </a:accent3>
         <a:accent4>
-          <a:srgbClr val="DADADA"/>
+          <a:srgbClr val="404040"/>
         </a:accent4>
         <a:accent5>
-          <a:srgbClr val="B6B5BF"/>
+          <a:srgbClr val="BADEFF"/>
         </a:accent5>
         <a:accent6>
-          <a:srgbClr val="5C5CE7"/>
+          <a:srgbClr val="C8BB12"/>
         </a:accent6>
         <a:hlink>
-          <a:srgbClr val="99CCFF"/>
+          <a:srgbClr val="0091FF"/>
         </a:hlink>
         <a:folHlink>
-          <a:srgbClr val="FFFF99"/>
+          <a:srgbClr val="DDDDDD"/>
         </a:folHlink>
       </a:clrScheme>
-      <a:clrMap bg1="dk2" tx1="lt1" bg2="dk1" tx2="lt2" accent1="accent1" accent2="accent2" accent3="accent3" accent4="accent4" accent5="accent5" accent6="accent6" hlink="hlink" folHlink="folHlink"/>
+      <a:clrMap bg1="lt1" tx1="dk1" bg2="lt2" tx2="dk2" accent1="accent1" accent2="accent2" accent3="accent3" accent4="accent4" accent5="accent5" accent6="accent6" hlink="hlink" folHlink="folHlink"/>
     </a:extraClrScheme>
     <a:extraClrScheme>
-      <a:clrScheme name="Diseño predeterminado 12">
+      <a:clrScheme name="powerpoint-template 12">
         <a:dk1>
-          <a:srgbClr val="2D2015"/>
+          <a:srgbClr val="4D4D4D"/>
         </a:dk1>
         <a:lt1>
           <a:srgbClr val="FFFFFF"/>
         </a:lt1>
         <a:dk2>
-          <a:srgbClr val="523E26"/>
+          <a:srgbClr val="4D4D4D"/>
         </a:dk2>
         <a:lt2>
-          <a:srgbClr val="DFC08D"/>
+          <a:srgbClr val="F4EE00"/>
         </a:lt2>
         <a:accent1>
-          <a:srgbClr val="8C7B70"/>
+          <a:srgbClr val="6BC4FF"/>
         </a:accent1>
         <a:accent2>
-          <a:srgbClr val="8F5F2F"/>
+          <a:srgbClr val="DDCF15"/>
         </a:accent2>
         <a:accent3>
-          <a:srgbClr val="B3AFAC"/>
+          <a:srgbClr val="FFFFFF"/>
         </a:accent3>
         <a:accent4>
-          <a:srgbClr val="DADADA"/>
+          <a:srgbClr val="404040"/>
         </a:accent4>
         <a:accent5>
-          <a:srgbClr val="C5BFBB"/>
+          <a:srgbClr val="BADEFF"/>
         </a:accent5>
         <a:accent6>
-          <a:srgbClr val="81552A"/>
+          <a:srgbClr val="C8BB12"/>
         </a:accent6>
         <a:hlink>
-          <a:srgbClr val="CCB400"/>
+          <a:srgbClr val="0091FF"/>
         </a:hlink>
         <a:folHlink>
-          <a:srgbClr val="8C9EA0"/>
+          <a:srgbClr val="DDDDDD"/>
         </a:folHlink>
       </a:clrScheme>
-      <a:clrMap bg1="dk2" tx1="lt1" bg2="dk1" tx2="lt2" accent1="accent1" accent2="accent2" accent3="accent3" accent4="accent4" accent5="accent5" accent6="accent6" hlink="hlink" folHlink="folHlink"/>
+      <a:clrMap bg1="lt1" tx1="dk1" bg2="lt2" tx2="dk2" accent1="accent1" accent2="accent2" accent3="accent3" accent4="accent4" accent5="accent5" accent6="accent6" hlink="hlink" folHlink="folHlink"/>
+    </a:extraClrScheme>
+    <a:extraClrScheme>
+      <a:clrScheme name="powerpoint-template 13">
+        <a:dk1>
+          <a:srgbClr val="4D4D4D"/>
+        </a:dk1>
+        <a:lt1>
+          <a:srgbClr val="FFFFFF"/>
+        </a:lt1>
+        <a:dk2>
+          <a:srgbClr val="4D4D4D"/>
+        </a:dk2>
+        <a:lt2>
+          <a:srgbClr val="F4EE00"/>
+        </a:lt2>
+        <a:accent1>
+          <a:srgbClr val="6BC4FF"/>
+        </a:accent1>
+        <a:accent2>
+          <a:srgbClr val="DDB72C"/>
+        </a:accent2>
+        <a:accent3>
+          <a:srgbClr val="FFFFFF"/>
+        </a:accent3>
+        <a:accent4>
+          <a:srgbClr val="404040"/>
+        </a:accent4>
+        <a:accent5>
+          <a:srgbClr val="BADEFF"/>
+        </a:accent5>
+        <a:accent6>
+          <a:srgbClr val="C8A627"/>
+        </a:accent6>
+        <a:hlink>
+          <a:srgbClr val="0091FF"/>
+        </a:hlink>
+        <a:folHlink>
+          <a:srgbClr val="DDDDDD"/>
+        </a:folHlink>
+      </a:clrScheme>
+      <a:clrMap bg1="lt1" tx1="dk1" bg2="lt2" tx2="dk2" accent1="accent1" accent2="accent2" accent3="accent3" accent4="accent4" accent5="accent5" accent6="accent6" hlink="hlink" folHlink="folHlink"/>
     </a:extraClrScheme>
   </a:extraClrSchemeLst>
 </a:theme>
+</file>
+
+<file path=ppt/theme/theme2.xml><?xml version="1.0" encoding="utf-8"?>
+<a:theme xmlns:a="http://schemas.openxmlformats.org/drawingml/2006/main" name="Office Theme">
+  <a:themeElements>
+    <a:clrScheme name="">
+      <a:dk1>
+        <a:srgbClr val="000000"/>
+      </a:dk1>
+      <a:lt1>
+        <a:srgbClr val="FFFFFF"/>
+      </a:lt1>
+      <a:dk2>
+        <a:srgbClr val="000000"/>
+      </a:dk2>
+      <a:lt2>
+        <a:srgbClr val="808080"/>
+      </a:lt2>
+      <a:accent1>
+        <a:srgbClr val="BBE0E3"/>
+      </a:accent1>
+      <a:accent2>
+        <a:srgbClr val="333399"/>
+      </a:accent2>
+      <a:accent3>
+        <a:srgbClr val="FFFFFF"/>
+      </a:accent3>
+      <a:accent4>
+        <a:srgbClr val="000000"/>
+      </a:accent4>
+      <a:accent5>
+        <a:srgbClr val="DAEDEF"/>
+      </a:accent5>
+      <a:accent6>
+        <a:srgbClr val="2D2D8A"/>
+      </a:accent6>
+      <a:hlink>
+        <a:srgbClr val="009999"/>
+      </a:hlink>
+      <a:folHlink>
+        <a:srgbClr val="99CC00"/>
+      </a:folHlink>
+    </a:clrScheme>
+    <a:fontScheme name="Office">
+      <a:majorFont>
+        <a:latin typeface="Calibri"/>
+        <a:ea typeface=""/>
+        <a:cs typeface=""/>
+        <a:font script="Jpan" typeface="ＭＳ Ｐゴシック"/>
+        <a:font script="Hang" typeface="맑은 고딕"/>
+        <a:font script="Hans" typeface="宋体"/>
+        <a:font script="Hant" typeface="新細明體"/>
+        <a:font script="Arab" typeface="Times New Roman"/>
+        <a:font script="Hebr" typeface="Times New Roman"/>
+        <a:font script="Thai" typeface="Angsana New"/>
+        <a:font script="Ethi" typeface="Nyala"/>
+        <a:font script="Beng" typeface="Vrinda"/>
+        <a:font script="Gujr" typeface="Shruti"/>
+        <a:font script="Khmr" typeface="MoolBoran"/>
+        <a:font script="Knda" typeface="Tunga"/>
+        <a:font script="Guru" typeface="Raavi"/>
+        <a:font script="Cans" typeface="Euphemia"/>
+        <a:font script="Cher" typeface="Plantagenet Cherokee"/>
+        <a:font script="Yiii" typeface="Microsoft Yi Baiti"/>
+        <a:font script="Tibt" typeface="Microsoft Himalaya"/>
+        <a:font script="Thaa" typeface="MV Boli"/>
+        <a:font script="Deva" typeface="Mangal"/>
+        <a:font script="Telu" typeface="Gautami"/>
+        <a:font script="Taml" typeface="Latha"/>
+        <a:font script="Syrc" typeface="Estrangelo Edessa"/>
+        <a:font script="Orya" typeface="Kalinga"/>
+        <a:font script="Mlym" typeface="Kartika"/>
+        <a:font script="Laoo" typeface="DokChampa"/>
+        <a:font script="Sinh" typeface="Iskoola Pota"/>
+        <a:font script="Mong" typeface="Mongolian Baiti"/>
+        <a:font script="Viet" typeface="Times New Roman"/>
+        <a:font script="Uigh" typeface="Microsoft Uighur"/>
+      </a:majorFont>
+      <a:minorFont>
+        <a:latin typeface="Calibri"/>
+        <a:ea typeface=""/>
+        <a:cs typeface=""/>
+        <a:font script="Jpan" typeface="ＭＳ Ｐゴシック"/>
+        <a:font script="Hang" typeface="맑은 고딕"/>
+        <a:font script="Hans" typeface="宋体"/>
+        <a:font script="Hant" typeface="新細明體"/>
+        <a:font script="Arab" typeface="Arial"/>
+        <a:font script="Hebr" typeface="Arial"/>
+        <a:font script="Thai" typeface="Cordia New"/>
+        <a:font script="Ethi" typeface="Nyala"/>
+        <a:font script="Beng" typeface="Vrinda"/>
+        <a:font script="Gujr" typeface="Shruti"/>
+        <a:font script="Khmr" typeface="DaunPenh"/>
+        <a:font script="Knda" typeface="Tunga"/>
+        <a:font script="Guru" typeface="Raavi"/>
+        <a:font script="Cans" typeface="Euphemia"/>
+        <a:font script="Cher" typeface="Plantagenet Cherokee"/>
+        <a:font script="Yiii" typeface="Microsoft Yi Baiti"/>
+        <a:font script="Tibt" typeface="Microsoft Himalaya"/>
+        <a:font script="Thaa" typeface="MV Boli"/>
+        <a:font script="Deva" typeface="Mangal"/>
+        <a:font script="Telu" typeface="Gautami"/>
+        <a:font script="Taml" typeface="Latha"/>
+        <a:font script="Syrc" typeface="Estrangelo Edessa"/>
+        <a:font script="Orya" typeface="Kalinga"/>
+        <a:font script="Mlym" typeface="Kartika"/>
+        <a:font script="Laoo" typeface="DokChampa"/>
+        <a:font script="Sinh" typeface="Iskoola Pota"/>
+        <a:font script="Mong" typeface="Mongolian Baiti"/>
+        <a:font script="Viet" typeface="Arial"/>
+        <a:font script="Uigh" typeface="Microsoft Uighur"/>
+      </a:minorFont>
+    </a:fontScheme>
+    <a:fmtScheme name="Office">
+      <a:fillStyleLst>
+        <a:solidFill>
+          <a:schemeClr val="phClr"/>
+        </a:solidFill>
+        <a:gradFill rotWithShape="1">
+          <a:gsLst>
+            <a:gs pos="0">
+              <a:schemeClr val="phClr">
+                <a:tint val="50000"/>
+                <a:satMod val="300000"/>
+              </a:schemeClr>
+            </a:gs>
+            <a:gs pos="35000">
+              <a:schemeClr val="phClr">
+                <a:tint val="37000"/>
+                <a:satMod val="300000"/>
+              </a:schemeClr>
+            </a:gs>
+            <a:gs pos="100000">
+              <a:schemeClr val="phClr">
+                <a:tint val="15000"/>
+                <a:satMod val="350000"/>
+              </a:schemeClr>
+            </a:gs>
+          </a:gsLst>
+          <a:lin ang="16200000" scaled="1"/>
+        </a:gradFill>
+        <a:gradFill rotWithShape="1">
+          <a:gsLst>
+            <a:gs pos="0">
+              <a:schemeClr val="phClr">
+                <a:shade val="51000"/>
+                <a:satMod val="130000"/>
+              </a:schemeClr>
+            </a:gs>
+            <a:gs pos="80000">
+              <a:schemeClr val="phClr">
+                <a:shade val="93000"/>
+                <a:satMod val="130000"/>
+              </a:schemeClr>
+            </a:gs>
+            <a:gs pos="100000">
+              <a:schemeClr val="phClr">
+                <a:shade val="94000"/>
+                <a:satMod val="135000"/>
+              </a:schemeClr>
+            </a:gs>
+          </a:gsLst>
+          <a:lin ang="16200000" scaled="0"/>
+        </a:gradFill>
+      </a:fillStyleLst>
+      <a:lnStyleLst>
+        <a:ln w="9525" cap="flat" cmpd="sng" algn="ctr">
+          <a:solidFill>
+            <a:schemeClr val="phClr">
+              <a:shade val="95000"/>
+              <a:satMod val="105000"/>
+            </a:schemeClr>
+          </a:solidFill>
+          <a:prstDash val="solid"/>
+        </a:ln>
+        <a:ln w="25400" cap="flat" cmpd="sng" algn="ctr">
+          <a:solidFill>
+            <a:schemeClr val="phClr"/>
+          </a:solidFill>
+          <a:prstDash val="solid"/>
+        </a:ln>
+        <a:ln w="38100" cap="flat" cmpd="sng" algn="ctr">
+          <a:solidFill>
+            <a:schemeClr val="phClr"/>
+          </a:solidFill>
+          <a:prstDash val="solid"/>
+        </a:ln>
+      </a:lnStyleLst>
+      <a:effectStyleLst>
+        <a:effectStyle>
+          <a:effectLst>
+            <a:outerShdw blurRad="40000" dist="20000" dir="5400000" rotWithShape="0">
+              <a:srgbClr val="000000">
+                <a:alpha val="38000"/>
+              </a:srgbClr>
+            </a:outerShdw>
+          </a:effectLst>
+        </a:effectStyle>
+        <a:effectStyle>
+          <a:effectLst>
+            <a:outerShdw blurRad="40000" dist="23000" dir="5400000" rotWithShape="0">
+              <a:srgbClr val="000000">
+                <a:alpha val="35000"/>
+              </a:srgbClr>
+            </a:outerShdw>
+          </a:effectLst>
+        </a:effectStyle>
+        <a:effectStyle>
+          <a:effectLst>
+            <a:outerShdw blurRad="40000" dist="23000" dir="5400000" rotWithShape="0">
+              <a:srgbClr val="000000">
+                <a:alpha val="35000"/>
+              </a:srgbClr>
+            </a:outerShdw>
+          </a:effectLst>
+          <a:scene3d>
+            <a:camera prst="orthographicFront">
+              <a:rot lat="0" lon="0" rev="0"/>
+            </a:camera>
+            <a:lightRig rig="threePt" dir="t">
+              <a:rot lat="0" lon="0" rev="1200000"/>
+            </a:lightRig>
+          </a:scene3d>
+          <a:sp3d>
+            <a:bevelT w="63500" h="25400"/>
+          </a:sp3d>
+        </a:effectStyle>
+      </a:effectStyleLst>
+      <a:bgFillStyleLst>
+        <a:solidFill>
+          <a:schemeClr val="phClr"/>
+        </a:solidFill>
+        <a:gradFill rotWithShape="1">
+          <a:gsLst>
+            <a:gs pos="0">
+              <a:schemeClr val="phClr">
+                <a:tint val="40000"/>
+                <a:satMod val="350000"/>
+              </a:schemeClr>
+            </a:gs>
+            <a:gs pos="40000">
+              <a:schemeClr val="phClr">
+                <a:tint val="45000"/>
+                <a:shade val="99000"/>
+                <a:satMod val="350000"/>
+              </a:schemeClr>
+            </a:gs>
+            <a:gs pos="100000">
+              <a:schemeClr val="phClr">
+                <a:shade val="20000"/>
+                <a:satMod val="255000"/>
+              </a:schemeClr>
+            </a:gs>
+          </a:gsLst>
+          <a:path path="circle">
+            <a:fillToRect l="50000" t="-80000" r="50000" b="180000"/>
+          </a:path>
+        </a:gradFill>
+        <a:gradFill rotWithShape="1">
+          <a:gsLst>
+            <a:gs pos="0">
+              <a:schemeClr val="phClr">
+                <a:tint val="80000"/>
+                <a:satMod val="300000"/>
+              </a:schemeClr>
+            </a:gs>
+            <a:gs pos="100000">
+              <a:schemeClr val="phClr">
+                <a:shade val="30000"/>
+                <a:satMod val="200000"/>
+              </a:schemeClr>
+            </a:gs>
+          </a:gsLst>
+          <a:path path="circle">
+            <a:fillToRect l="50000" t="50000" r="50000" b="50000"/>
+          </a:path>
+        </a:gradFill>
+      </a:bgFillStyleLst>
+    </a:fmtScheme>
+  </a:themeElements>
+  <a:objectDefaults/>
+  <a:extraClrSchemeLst/>
+</a:theme>
 </file>